--- a/4_DFIR_podstawowe_pojecia.pptx
+++ b/4_DFIR_podstawowe_pojecia.pptx
@@ -259,7 +259,7 @@
           <a:p>
             <a:fld id="{5030ED2E-3D69-483A-A1D3-737DA805A09E}" type="datetimeFigureOut">
               <a:rPr lang="en-US" smtClean="0"/>
-              <a:t>11/9/2020</a:t>
+              <a:t>4/17/2022</a:t>
             </a:fld>
             <a:endParaRPr lang="en-US"/>
           </a:p>
@@ -2952,7 +2952,7 @@
           <a:p>
             <a:fld id="{ECC34D63-B9C8-4C03-BEE1-E5EE606B8F38}" type="datetimeFigureOut">
               <a:rPr lang="en-US" smtClean="0"/>
-              <a:t>11/9/2020</a:t>
+              <a:t>4/17/2022</a:t>
             </a:fld>
             <a:endParaRPr lang="en-US"/>
           </a:p>
@@ -3150,7 +3150,7 @@
           <a:p>
             <a:fld id="{ECC34D63-B9C8-4C03-BEE1-E5EE606B8F38}" type="datetimeFigureOut">
               <a:rPr lang="en-US" smtClean="0"/>
-              <a:t>11/9/2020</a:t>
+              <a:t>4/17/2022</a:t>
             </a:fld>
             <a:endParaRPr lang="en-US"/>
           </a:p>
@@ -3358,7 +3358,7 @@
           <a:p>
             <a:fld id="{ECC34D63-B9C8-4C03-BEE1-E5EE606B8F38}" type="datetimeFigureOut">
               <a:rPr lang="en-US" smtClean="0"/>
-              <a:t>11/9/2020</a:t>
+              <a:t>4/17/2022</a:t>
             </a:fld>
             <a:endParaRPr lang="en-US"/>
           </a:p>
@@ -3556,7 +3556,7 @@
           <a:p>
             <a:fld id="{ECC34D63-B9C8-4C03-BEE1-E5EE606B8F38}" type="datetimeFigureOut">
               <a:rPr lang="en-US" smtClean="0"/>
-              <a:t>11/9/2020</a:t>
+              <a:t>4/17/2022</a:t>
             </a:fld>
             <a:endParaRPr lang="en-US"/>
           </a:p>
@@ -3831,7 +3831,7 @@
           <a:p>
             <a:fld id="{ECC34D63-B9C8-4C03-BEE1-E5EE606B8F38}" type="datetimeFigureOut">
               <a:rPr lang="en-US" smtClean="0"/>
-              <a:t>11/9/2020</a:t>
+              <a:t>4/17/2022</a:t>
             </a:fld>
             <a:endParaRPr lang="en-US"/>
           </a:p>
@@ -4096,7 +4096,7 @@
           <a:p>
             <a:fld id="{ECC34D63-B9C8-4C03-BEE1-E5EE606B8F38}" type="datetimeFigureOut">
               <a:rPr lang="en-US" smtClean="0"/>
-              <a:t>11/9/2020</a:t>
+              <a:t>4/17/2022</a:t>
             </a:fld>
             <a:endParaRPr lang="en-US"/>
           </a:p>
@@ -4508,7 +4508,7 @@
           <a:p>
             <a:fld id="{ECC34D63-B9C8-4C03-BEE1-E5EE606B8F38}" type="datetimeFigureOut">
               <a:rPr lang="en-US" smtClean="0"/>
-              <a:t>11/9/2020</a:t>
+              <a:t>4/17/2022</a:t>
             </a:fld>
             <a:endParaRPr lang="en-US"/>
           </a:p>
@@ -4649,7 +4649,7 @@
           <a:p>
             <a:fld id="{ECC34D63-B9C8-4C03-BEE1-E5EE606B8F38}" type="datetimeFigureOut">
               <a:rPr lang="en-US" smtClean="0"/>
-              <a:t>11/9/2020</a:t>
+              <a:t>4/17/2022</a:t>
             </a:fld>
             <a:endParaRPr lang="en-US"/>
           </a:p>
@@ -4762,7 +4762,7 @@
           <a:p>
             <a:fld id="{ECC34D63-B9C8-4C03-BEE1-E5EE606B8F38}" type="datetimeFigureOut">
               <a:rPr lang="en-US" smtClean="0"/>
-              <a:t>11/9/2020</a:t>
+              <a:t>4/17/2022</a:t>
             </a:fld>
             <a:endParaRPr lang="en-US"/>
           </a:p>
@@ -5073,7 +5073,7 @@
           <a:p>
             <a:fld id="{ECC34D63-B9C8-4C03-BEE1-E5EE606B8F38}" type="datetimeFigureOut">
               <a:rPr lang="en-US" smtClean="0"/>
-              <a:t>11/9/2020</a:t>
+              <a:t>4/17/2022</a:t>
             </a:fld>
             <a:endParaRPr lang="en-US"/>
           </a:p>
@@ -5361,7 +5361,7 @@
           <a:p>
             <a:fld id="{ECC34D63-B9C8-4C03-BEE1-E5EE606B8F38}" type="datetimeFigureOut">
               <a:rPr lang="en-US" smtClean="0"/>
-              <a:t>11/9/2020</a:t>
+              <a:t>4/17/2022</a:t>
             </a:fld>
             <a:endParaRPr lang="en-US"/>
           </a:p>
@@ -5602,7 +5602,7 @@
           <a:p>
             <a:fld id="{ECC34D63-B9C8-4C03-BEE1-E5EE606B8F38}" type="datetimeFigureOut">
               <a:rPr lang="en-US" smtClean="0"/>
-              <a:t>11/9/2020</a:t>
+              <a:t>4/17/2022</a:t>
             </a:fld>
             <a:endParaRPr lang="en-US"/>
           </a:p>
@@ -9089,7 +9089,7 @@
         <p:spPr>
           <a:xfrm>
             <a:off x="365759" y="1225689"/>
-            <a:ext cx="11687695" cy="5170646"/>
+            <a:ext cx="11687695" cy="4708981"/>
           </a:xfrm>
           <a:prstGeom prst="rect">
             <a:avLst/>
@@ -9107,15 +9107,100 @@
               <a:buChar char="•"/>
             </a:pPr>
             <a:r>
-              <a:rPr lang="en-US" sz="3000" b="1"/>
-              <a:t>Bardzo często zdolni do praktycznie wszelkich środków </a:t>
-            </a:r>
-          </a:p>
-          <a:p>
-            <a:r>
-              <a:rPr lang="en-US" sz="3000" b="1"/>
-              <a:t>osiągania celu, łącznie z porwaniami i morderstwami</a:t>
-            </a:r>
+              <a:rPr lang="en-US" sz="3000" b="1" dirty="0" err="1"/>
+              <a:t>Bardzo</a:t>
+            </a:r>
+            <a:r>
+              <a:rPr lang="en-US" sz="3000" b="1" dirty="0"/>
+              <a:t> </a:t>
+            </a:r>
+            <a:r>
+              <a:rPr lang="en-US" sz="3000" b="1" dirty="0" err="1"/>
+              <a:t>często</a:t>
+            </a:r>
+            <a:r>
+              <a:rPr lang="en-US" sz="3000" b="1" dirty="0"/>
+              <a:t> </a:t>
+            </a:r>
+            <a:r>
+              <a:rPr lang="en-US" sz="3000" b="1" dirty="0" err="1"/>
+              <a:t>zdolni</a:t>
+            </a:r>
+            <a:r>
+              <a:rPr lang="en-US" sz="3000" b="1" dirty="0"/>
+              <a:t> do </a:t>
+            </a:r>
+            <a:r>
+              <a:rPr lang="en-US" sz="3000" b="1" dirty="0" err="1"/>
+              <a:t>praktycznie</a:t>
+            </a:r>
+            <a:r>
+              <a:rPr lang="en-US" sz="3000" b="1" dirty="0"/>
+              <a:t> </a:t>
+            </a:r>
+            <a:r>
+              <a:rPr lang="en-US" sz="3000" b="1" dirty="0" err="1"/>
+              <a:t>wszelkich</a:t>
+            </a:r>
+            <a:r>
+              <a:rPr lang="en-US" sz="3000" b="1" dirty="0"/>
+              <a:t> </a:t>
+            </a:r>
+            <a:r>
+              <a:rPr lang="en-US" sz="3000" b="1" dirty="0" err="1"/>
+              <a:t>środków</a:t>
+            </a:r>
+            <a:r>
+              <a:rPr lang="en-US" sz="3000" b="1" dirty="0"/>
+              <a:t> </a:t>
+            </a:r>
+          </a:p>
+          <a:p>
+            <a:r>
+              <a:rPr lang="en-US" sz="3000" b="1" dirty="0" err="1"/>
+              <a:t>osiągania</a:t>
+            </a:r>
+            <a:r>
+              <a:rPr lang="en-US" sz="3000" b="1" dirty="0"/>
+              <a:t> </a:t>
+            </a:r>
+            <a:r>
+              <a:rPr lang="en-US" sz="3000" b="1" dirty="0" err="1"/>
+              <a:t>celu</a:t>
+            </a:r>
+            <a:r>
+              <a:rPr lang="en-US" sz="3000" b="1" dirty="0"/>
+              <a:t>, </a:t>
+            </a:r>
+            <a:r>
+              <a:rPr lang="en-US" sz="3000" b="1" dirty="0" err="1"/>
+              <a:t>łącznie</a:t>
+            </a:r>
+            <a:r>
+              <a:rPr lang="en-US" sz="3000" b="1" dirty="0"/>
+              <a:t> z </a:t>
+            </a:r>
+            <a:r>
+              <a:rPr lang="en-US" sz="3000" b="1" dirty="0" err="1"/>
+              <a:t>porwaniami</a:t>
+            </a:r>
+            <a:r>
+              <a:rPr lang="en-US" sz="3000" b="1" dirty="0"/>
+              <a:t> </a:t>
+            </a:r>
+            <a:r>
+              <a:rPr lang="en-US" sz="3000" b="1" dirty="0" err="1"/>
+              <a:t>i</a:t>
+            </a:r>
+            <a:r>
+              <a:rPr lang="en-US" sz="3000" b="1" dirty="0"/>
+              <a:t> </a:t>
+            </a:r>
+            <a:r>
+              <a:rPr lang="en-US" sz="3000" b="1" dirty="0" err="1"/>
+              <a:t>morderstwami</a:t>
+            </a:r>
+            <a:endParaRPr lang="en-US" sz="3000" b="1" dirty="0"/>
           </a:p>
           <a:p>
             <a:pPr marL="285750" indent="-285750">
@@ -9123,7 +9208,7 @@
               <a:buChar char="•"/>
             </a:pPr>
             <a:r>
-              <a:rPr lang="en-US" sz="3000"/>
+              <a:rPr lang="en-US" sz="3000" dirty="0"/>
               <a:t>Cele</a:t>
             </a:r>
           </a:p>
@@ -9133,8 +9218,28 @@
               <a:buChar char="•"/>
             </a:pPr>
             <a:r>
-              <a:rPr lang="en-US" sz="3000"/>
-              <a:t>szpiegostwo (przemysłowe, wojskowe),</a:t>
+              <a:rPr lang="en-US" sz="3000" dirty="0" err="1"/>
+              <a:t>szpiegostwo</a:t>
+            </a:r>
+            <a:r>
+              <a:rPr lang="en-US" sz="3000" dirty="0"/>
+              <a:t> (</a:t>
+            </a:r>
+            <a:r>
+              <a:rPr lang="en-US" sz="3000" dirty="0" err="1"/>
+              <a:t>przemysłowe</a:t>
+            </a:r>
+            <a:r>
+              <a:rPr lang="en-US" sz="3000" dirty="0"/>
+              <a:t>, </a:t>
+            </a:r>
+            <a:r>
+              <a:rPr lang="en-US" sz="3000" dirty="0" err="1"/>
+              <a:t>wojskowe</a:t>
+            </a:r>
+            <a:r>
+              <a:rPr lang="en-US" sz="3000" dirty="0"/>
+              <a:t>),</a:t>
             </a:r>
           </a:p>
           <a:p>
@@ -9143,8 +9248,20 @@
               <a:buChar char="•"/>
             </a:pPr>
             <a:r>
-              <a:rPr lang="en-US" sz="3000"/>
-              <a:t>kradzież technologii,</a:t>
+              <a:rPr lang="en-US" sz="3000" dirty="0" err="1"/>
+              <a:t>kradzież</a:t>
+            </a:r>
+            <a:r>
+              <a:rPr lang="en-US" sz="3000" dirty="0"/>
+              <a:t> </a:t>
+            </a:r>
+            <a:r>
+              <a:rPr lang="en-US" sz="3000" dirty="0" err="1"/>
+              <a:t>technologii</a:t>
+            </a:r>
+            <a:r>
+              <a:rPr lang="en-US" sz="3000" dirty="0"/>
+              <a:t>,</a:t>
             </a:r>
           </a:p>
           <a:p>
@@ -9153,8 +9270,12 @@
               <a:buChar char="•"/>
             </a:pPr>
             <a:r>
-              <a:rPr lang="en-US" sz="3000"/>
-              <a:t>infiltrowanie </a:t>
+              <a:rPr lang="en-US" sz="3000" dirty="0" err="1"/>
+              <a:t>infiltrowanie</a:t>
+            </a:r>
+            <a:r>
+              <a:rPr lang="en-US" sz="3000" dirty="0"/>
+              <a:t> </a:t>
             </a:r>
             <a:r>
               <a:rPr lang="en-US" sz="3000" dirty="0" err="1"/>
@@ -9173,12 +9294,76 @@
               <a:t> </a:t>
             </a:r>
             <a:r>
-              <a:rPr lang="en-US" sz="3000" err="1"/>
+              <a:rPr lang="en-US" sz="3000" dirty="0" err="1"/>
               <a:t>wrogiej</a:t>
             </a:r>
             <a:r>
-              <a:rPr lang="en-US" sz="3000"/>
-              <a:t> infrastruktury (ataki na ICS, cyberterroryzm, działania o charakterze wojny cybernetycznej),</a:t>
+              <a:rPr lang="en-US" sz="3000" dirty="0"/>
+              <a:t> </a:t>
+            </a:r>
+            <a:r>
+              <a:rPr lang="en-US" sz="3000" dirty="0" err="1"/>
+              <a:t>infrastruktury</a:t>
+            </a:r>
+            <a:r>
+              <a:rPr lang="en-US" sz="3000" dirty="0"/>
+              <a:t> (</a:t>
+            </a:r>
+            <a:r>
+              <a:rPr lang="en-US" sz="3000" dirty="0" err="1"/>
+              <a:t>ataki</a:t>
+            </a:r>
+            <a:r>
+              <a:rPr lang="en-US" sz="3000" dirty="0"/>
+              <a:t> </a:t>
+            </a:r>
+            <a:r>
+              <a:rPr lang="en-US" sz="3000" dirty="0" err="1"/>
+              <a:t>na</a:t>
+            </a:r>
+            <a:r>
+              <a:rPr lang="en-US" sz="3000" dirty="0"/>
+              <a:t> ICS, </a:t>
+            </a:r>
+            <a:r>
+              <a:rPr lang="en-US" sz="3000" dirty="0" err="1"/>
+              <a:t>cyberterroryzm</a:t>
+            </a:r>
+            <a:r>
+              <a:rPr lang="en-US" sz="3000" dirty="0"/>
+              <a:t>, </a:t>
+            </a:r>
+            <a:r>
+              <a:rPr lang="en-US" sz="3000" dirty="0" err="1"/>
+              <a:t>działania</a:t>
+            </a:r>
+            <a:r>
+              <a:rPr lang="en-US" sz="3000" dirty="0"/>
+              <a:t> o </a:t>
+            </a:r>
+            <a:r>
+              <a:rPr lang="en-US" sz="3000" dirty="0" err="1"/>
+              <a:t>charakterze</a:t>
+            </a:r>
+            <a:r>
+              <a:rPr lang="en-US" sz="3000" dirty="0"/>
+              <a:t> </a:t>
+            </a:r>
+            <a:r>
+              <a:rPr lang="en-US" sz="3000" dirty="0" err="1"/>
+              <a:t>wojny</a:t>
+            </a:r>
+            <a:r>
+              <a:rPr lang="en-US" sz="3000" dirty="0"/>
+              <a:t> </a:t>
+            </a:r>
+            <a:r>
+              <a:rPr lang="en-US" sz="3000" dirty="0" err="1"/>
+              <a:t>cybernetycznej</a:t>
+            </a:r>
+            <a:r>
+              <a:rPr lang="en-US" sz="3000" dirty="0"/>
+              <a:t>),</a:t>
             </a:r>
           </a:p>
           <a:p>
@@ -9187,19 +9372,19 @@
               <a:buChar char="•"/>
             </a:pPr>
             <a:r>
-              <a:rPr lang="en-US" sz="3000"/>
-              <a:t>walka </a:t>
+              <a:rPr lang="en-US" sz="3000" dirty="0" err="1"/>
+              <a:t>walka</a:t>
             </a:r>
             <a:r>
               <a:rPr lang="en-US" sz="3000" dirty="0"/>
-              <a:t>z </a:t>
-            </a:r>
-            <a:r>
-              <a:rPr lang="en-US" sz="3000" err="1"/>
+              <a:t> z </a:t>
+            </a:r>
+            <a:r>
+              <a:rPr lang="en-US" sz="3000" dirty="0" err="1"/>
               <a:t>dysydentami</a:t>
             </a:r>
             <a:r>
-              <a:rPr lang="en-US" sz="3000"/>
+              <a:rPr lang="en-US" sz="3000" dirty="0"/>
               <a:t>,</a:t>
             </a:r>
           </a:p>
@@ -9209,8 +9394,44 @@
               <a:buChar char="•"/>
             </a:pPr>
             <a:r>
-              <a:rPr lang="en-US" sz="3000"/>
-              <a:t>propaganda, </a:t>
+              <a:rPr lang="en-US" sz="3000" dirty="0" err="1"/>
+              <a:t>doprowadzanie</a:t>
+            </a:r>
+            <a:r>
+              <a:rPr lang="en-US" sz="3000" dirty="0"/>
+              <a:t> do </a:t>
+            </a:r>
+            <a:r>
+              <a:rPr lang="en-US" sz="3000" dirty="0" err="1"/>
+              <a:t>strat</a:t>
+            </a:r>
+            <a:r>
+              <a:rPr lang="en-US" sz="3000" dirty="0"/>
+              <a:t> </a:t>
+            </a:r>
+            <a:r>
+              <a:rPr lang="en-US" sz="3000" dirty="0" err="1"/>
+              <a:t>fizycznych</a:t>
+            </a:r>
+            <a:r>
+              <a:rPr lang="en-US" sz="3000" dirty="0"/>
+              <a:t> </a:t>
+            </a:r>
+            <a:r>
+              <a:rPr lang="en-US" sz="3000" dirty="0" err="1"/>
+              <a:t>i</a:t>
+            </a:r>
+            <a:r>
+              <a:rPr lang="en-US" sz="3000" dirty="0"/>
+              <a:t> </a:t>
+            </a:r>
+            <a:r>
+              <a:rPr lang="en-US" sz="3000" dirty="0" err="1"/>
+              <a:t>finansowych</a:t>
+            </a:r>
+            <a:r>
+              <a:rPr lang="en-US" sz="3000" dirty="0"/>
+              <a:t>,</a:t>
             </a:r>
           </a:p>
           <a:p>
@@ -9219,32 +9440,37 @@
               <a:buChar char="•"/>
             </a:pPr>
             <a:r>
-              <a:rPr lang="en-US" sz="3000"/>
-              <a:t>doprowadzanie </a:t>
+              <a:rPr lang="en-US" sz="3000" dirty="0" err="1"/>
+              <a:t>również</a:t>
             </a:r>
             <a:r>
               <a:rPr lang="en-US" sz="3000" dirty="0"/>
-              <a:t>do </a:t>
-            </a:r>
-            <a:r>
-              <a:rPr lang="en-US" sz="3000" err="1"/>
-              <a:t>strat</a:t>
-            </a:r>
-            <a:r>
-              <a:rPr lang="en-US" sz="3000"/>
-              <a:t> fizycznych i finansowych,</a:t>
-            </a:r>
-          </a:p>
-          <a:p>
-            <a:pPr marL="742950" lvl="1" indent="-285750">
-              <a:buFont typeface="Arial" panose="020B0604020202020204" pitchFamily="34" charset="0"/>
-              <a:buChar char="•"/>
-            </a:pPr>
-            <a:r>
-              <a:rPr lang="en-US" sz="3000"/>
-              <a:t>również kradzież środków finansowych.</a:t>
-            </a:r>
-            <a:endParaRPr lang="en-US" sz="3000" dirty="0"/>
+              <a:t> </a:t>
+            </a:r>
+            <a:r>
+              <a:rPr lang="en-US" sz="3000" dirty="0" err="1"/>
+              <a:t>kradzież</a:t>
+            </a:r>
+            <a:r>
+              <a:rPr lang="en-US" sz="3000" dirty="0"/>
+              <a:t> </a:t>
+            </a:r>
+            <a:r>
+              <a:rPr lang="en-US" sz="3000" dirty="0" err="1"/>
+              <a:t>środków</a:t>
+            </a:r>
+            <a:r>
+              <a:rPr lang="en-US" sz="3000" dirty="0"/>
+              <a:t> </a:t>
+            </a:r>
+            <a:r>
+              <a:rPr lang="en-US" sz="3000" dirty="0" err="1"/>
+              <a:t>finansowych</a:t>
+            </a:r>
+            <a:r>
+              <a:rPr lang="en-US" sz="3000" dirty="0"/>
+              <a:t>.</a:t>
+            </a:r>
           </a:p>
         </p:txBody>
       </p:sp>
@@ -10720,12 +10946,37 @@
               <a:defRPr/>
             </a:pPr>
             <a:r>
-              <a:rPr lang="en-US" sz="4356" b="1">
+              <a:rPr lang="en-US" sz="4356" b="1" dirty="0">
                 <a:latin typeface="Consolas" panose="020B0609020204030204" pitchFamily="49" charset="0"/>
                 <a:cs typeface="Arial" panose="020B0604020202020204" pitchFamily="34" charset="0"/>
               </a:rPr>
-              <a:t>IOC - relacje - grafy</a:t>
-            </a:r>
+              <a:t>IOC - </a:t>
+            </a:r>
+            <a:r>
+              <a:rPr lang="en-US" sz="4356" b="1" dirty="0" err="1">
+                <a:latin typeface="Consolas" panose="020B0609020204030204" pitchFamily="49" charset="0"/>
+                <a:cs typeface="Arial" panose="020B0604020202020204" pitchFamily="34" charset="0"/>
+              </a:rPr>
+              <a:t>relacje</a:t>
+            </a:r>
+            <a:r>
+              <a:rPr lang="en-US" sz="4356" b="1" dirty="0">
+                <a:latin typeface="Consolas" panose="020B0609020204030204" pitchFamily="49" charset="0"/>
+                <a:cs typeface="Arial" panose="020B0604020202020204" pitchFamily="34" charset="0"/>
+              </a:rPr>
+              <a:t> - </a:t>
+            </a:r>
+            <a:r>
+              <a:rPr lang="en-US" sz="4356" b="1" dirty="0" err="1">
+                <a:latin typeface="Consolas" panose="020B0609020204030204" pitchFamily="49" charset="0"/>
+                <a:cs typeface="Arial" panose="020B0604020202020204" pitchFamily="34" charset="0"/>
+              </a:rPr>
+              <a:t>grafy</a:t>
+            </a:r>
+            <a:endParaRPr lang="en-US" sz="4356" b="1" dirty="0">
+              <a:latin typeface="Consolas" panose="020B0609020204030204" pitchFamily="49" charset="0"/>
+              <a:cs typeface="Arial" panose="020B0604020202020204" pitchFamily="34" charset="0"/>
+            </a:endParaRPr>
           </a:p>
         </p:txBody>
       </p:sp>
@@ -10793,8 +11044,8 @@
         </p:blipFill>
         <p:spPr>
           <a:xfrm>
-            <a:off x="2843212" y="828236"/>
-            <a:ext cx="6353175" cy="5734050"/>
+            <a:off x="2843213" y="828236"/>
+            <a:ext cx="6056948" cy="5466691"/>
           </a:xfrm>
           <a:prstGeom prst="rect">
             <a:avLst/>
@@ -12501,8 +12752,40 @@
               <a:buChar char="•"/>
             </a:pPr>
             <a:r>
-              <a:rPr lang="en-US" sz="3400"/>
-              <a:t>DFIR wykorzystuje elementy informatyki śledczej (ang. forensics)</a:t>
+              <a:rPr lang="en-US" sz="3400" dirty="0"/>
+              <a:t>DFIR </a:t>
+            </a:r>
+            <a:r>
+              <a:rPr lang="en-US" sz="3400" dirty="0" err="1"/>
+              <a:t>wykorzystuje</a:t>
+            </a:r>
+            <a:r>
+              <a:rPr lang="en-US" sz="3400" dirty="0"/>
+              <a:t> </a:t>
+            </a:r>
+            <a:r>
+              <a:rPr lang="en-US" sz="3400" dirty="0" err="1"/>
+              <a:t>elementy</a:t>
+            </a:r>
+            <a:r>
+              <a:rPr lang="en-US" sz="3400" dirty="0"/>
+              <a:t> </a:t>
+            </a:r>
+            <a:r>
+              <a:rPr lang="en-US" sz="3400" dirty="0" err="1"/>
+              <a:t>informatyki</a:t>
+            </a:r>
+            <a:r>
+              <a:rPr lang="en-US" sz="3400" dirty="0"/>
+              <a:t> </a:t>
+            </a:r>
+            <a:r>
+              <a:rPr lang="en-US" sz="3400" dirty="0" err="1"/>
+              <a:t>śledczej</a:t>
+            </a:r>
+            <a:r>
+              <a:rPr lang="en-US" sz="3400" dirty="0"/>
+              <a:t> (ang. forensics)</a:t>
             </a:r>
           </a:p>
           <a:p>
@@ -12511,8 +12794,156 @@
               <a:buChar char="•"/>
             </a:pPr>
             <a:r>
-              <a:rPr lang="en-US" sz="3400"/>
-              <a:t>Kryminalistyka dotyczy wyjaśniania przebiegu wszelkich przestępstw (nie tylko komputerowych), w wykorzystaniem wszelkiego rodzaju materiałów dowodowych (w tym coraz częściej elektronicznych)</a:t>
+              <a:rPr lang="en-US" sz="3400" dirty="0" err="1"/>
+              <a:t>Kryminalistyka</a:t>
+            </a:r>
+            <a:r>
+              <a:rPr lang="en-US" sz="3400" dirty="0"/>
+              <a:t> </a:t>
+            </a:r>
+            <a:r>
+              <a:rPr lang="en-US" sz="3400" dirty="0" err="1"/>
+              <a:t>dotyczy</a:t>
+            </a:r>
+            <a:r>
+              <a:rPr lang="en-US" sz="3400" dirty="0"/>
+              <a:t> </a:t>
+            </a:r>
+            <a:r>
+              <a:rPr lang="en-US" sz="3400" dirty="0" err="1"/>
+              <a:t>wyjaśniania</a:t>
+            </a:r>
+            <a:r>
+              <a:rPr lang="en-US" sz="3400" dirty="0"/>
+              <a:t> </a:t>
+            </a:r>
+            <a:r>
+              <a:rPr lang="en-US" sz="3400" dirty="0" err="1"/>
+              <a:t>przebiegu</a:t>
+            </a:r>
+            <a:r>
+              <a:rPr lang="en-US" sz="3400" dirty="0"/>
+              <a:t> </a:t>
+            </a:r>
+            <a:r>
+              <a:rPr lang="en-US" sz="3400" dirty="0" err="1"/>
+              <a:t>wszelkich</a:t>
+            </a:r>
+            <a:r>
+              <a:rPr lang="en-US" sz="3400" dirty="0"/>
+              <a:t> </a:t>
+            </a:r>
+            <a:r>
+              <a:rPr lang="en-US" sz="3400" dirty="0" err="1"/>
+              <a:t>przestępstw</a:t>
+            </a:r>
+            <a:r>
+              <a:rPr lang="en-US" sz="3400" dirty="0"/>
+              <a:t> (</a:t>
+            </a:r>
+            <a:r>
+              <a:rPr lang="en-US" sz="3400" dirty="0" err="1"/>
+              <a:t>nie</a:t>
+            </a:r>
+            <a:r>
+              <a:rPr lang="en-US" sz="3400" dirty="0"/>
+              <a:t> </a:t>
+            </a:r>
+            <a:r>
+              <a:rPr lang="en-US" sz="3400" dirty="0" err="1"/>
+              <a:t>tylko</a:t>
+            </a:r>
+            <a:r>
+              <a:rPr lang="en-US" sz="3400" dirty="0"/>
+              <a:t> </a:t>
+            </a:r>
+            <a:r>
+              <a:rPr lang="en-US" sz="3400" dirty="0" err="1"/>
+              <a:t>komputerowych</a:t>
+            </a:r>
+            <a:r>
+              <a:rPr lang="en-US" sz="3400" dirty="0"/>
+              <a:t>), </a:t>
+            </a:r>
+            <a:r>
+              <a:rPr lang="pl-PL" sz="3400" dirty="0"/>
+              <a:t>z</a:t>
+            </a:r>
+            <a:r>
+              <a:rPr lang="en-US" sz="3400" dirty="0"/>
+              <a:t> </a:t>
+            </a:r>
+            <a:r>
+              <a:rPr lang="en-US" sz="3400" dirty="0" err="1"/>
+              <a:t>wykorzystaniem</a:t>
+            </a:r>
+            <a:r>
+              <a:rPr lang="en-US" sz="3400" dirty="0"/>
+              <a:t> </a:t>
+            </a:r>
+            <a:r>
+              <a:rPr lang="en-US" sz="3400" dirty="0" err="1"/>
+              <a:t>wszelkiego</a:t>
+            </a:r>
+            <a:r>
+              <a:rPr lang="en-US" sz="3400" dirty="0"/>
+              <a:t> </a:t>
+            </a:r>
+            <a:r>
+              <a:rPr lang="en-US" sz="3400" dirty="0" err="1"/>
+              <a:t>rodzaju</a:t>
+            </a:r>
+            <a:r>
+              <a:rPr lang="en-US" sz="3400" dirty="0"/>
+              <a:t> </a:t>
+            </a:r>
+            <a:r>
+              <a:rPr lang="en-US" sz="3400" dirty="0" err="1"/>
+              <a:t>materiałów</a:t>
+            </a:r>
+            <a:r>
+              <a:rPr lang="en-US" sz="3400" dirty="0"/>
+              <a:t> </a:t>
+            </a:r>
+            <a:r>
+              <a:rPr lang="en-US" sz="3400" dirty="0" err="1"/>
+              <a:t>dowodowych</a:t>
+            </a:r>
+            <a:r>
+              <a:rPr lang="en-US" sz="3400" dirty="0"/>
+              <a:t> (w </a:t>
+            </a:r>
+            <a:r>
+              <a:rPr lang="en-US" sz="3400" dirty="0" err="1"/>
+              <a:t>tym</a:t>
+            </a:r>
+            <a:r>
+              <a:rPr lang="en-US" sz="3400" dirty="0"/>
+              <a:t> </a:t>
+            </a:r>
+            <a:r>
+              <a:rPr lang="en-US" sz="3400" dirty="0" err="1"/>
+              <a:t>coraz</a:t>
+            </a:r>
+            <a:r>
+              <a:rPr lang="en-US" sz="3400" dirty="0"/>
+              <a:t> </a:t>
+            </a:r>
+            <a:r>
+              <a:rPr lang="en-US" sz="3400" dirty="0" err="1"/>
+              <a:t>częściej</a:t>
+            </a:r>
+            <a:r>
+              <a:rPr lang="en-US" sz="3400" dirty="0"/>
+              <a:t> </a:t>
+            </a:r>
+            <a:r>
+              <a:rPr lang="en-US" sz="3400" dirty="0" err="1"/>
+              <a:t>elektronicznych</a:t>
+            </a:r>
+            <a:r>
+              <a:rPr lang="en-US" sz="3400" dirty="0"/>
+              <a:t>)</a:t>
             </a:r>
           </a:p>
           <a:p>
@@ -12521,8 +12952,44 @@
               <a:buChar char="•"/>
             </a:pPr>
             <a:r>
-              <a:rPr lang="en-US" sz="3400"/>
-              <a:t>Kryminalistyka w razie potrzeby wykorzystuje techniki DFIR</a:t>
+              <a:rPr lang="en-US" sz="3400" dirty="0" err="1"/>
+              <a:t>Kryminalistyka</a:t>
+            </a:r>
+            <a:r>
+              <a:rPr lang="en-US" sz="3400" dirty="0"/>
+              <a:t> w </a:t>
+            </a:r>
+            <a:r>
+              <a:rPr lang="en-US" sz="3400" dirty="0" err="1"/>
+              <a:t>razie</a:t>
+            </a:r>
+            <a:r>
+              <a:rPr lang="en-US" sz="3400" dirty="0"/>
+              <a:t> </a:t>
+            </a:r>
+            <a:r>
+              <a:rPr lang="en-US" sz="3400" dirty="0" err="1"/>
+              <a:t>potrzeby</a:t>
+            </a:r>
+            <a:r>
+              <a:rPr lang="en-US" sz="3400" dirty="0"/>
+              <a:t> </a:t>
+            </a:r>
+            <a:r>
+              <a:rPr lang="en-US" sz="3400" dirty="0" err="1"/>
+              <a:t>wykorzystuje</a:t>
+            </a:r>
+            <a:r>
+              <a:rPr lang="en-US" sz="3400" dirty="0"/>
+              <a:t> </a:t>
+            </a:r>
+            <a:r>
+              <a:rPr lang="en-US" sz="3400" dirty="0" err="1"/>
+              <a:t>techniki</a:t>
+            </a:r>
+            <a:r>
+              <a:rPr lang="en-US" sz="3400" dirty="0"/>
+              <a:t> DFIR</a:t>
             </a:r>
           </a:p>
           <a:p>
@@ -12531,10 +12998,134 @@
               <a:buChar char="•"/>
             </a:pPr>
             <a:r>
-              <a:rPr lang="en-US" sz="3400"/>
-              <a:t>DFIR skupia się na szeroko pojętym procesie wykrywania i reagowania na incydenty komputerowe od strony technicznej i organizacyjnej</a:t>
-            </a:r>
-            <a:endParaRPr lang="en-US" sz="3600"/>
+              <a:rPr lang="en-US" sz="3400" dirty="0"/>
+              <a:t>DFIR </a:t>
+            </a:r>
+            <a:r>
+              <a:rPr lang="en-US" sz="3400" dirty="0" err="1"/>
+              <a:t>skupia</a:t>
+            </a:r>
+            <a:r>
+              <a:rPr lang="en-US" sz="3400" dirty="0"/>
+              <a:t> </a:t>
+            </a:r>
+            <a:r>
+              <a:rPr lang="en-US" sz="3400" dirty="0" err="1"/>
+              <a:t>się</a:t>
+            </a:r>
+            <a:r>
+              <a:rPr lang="en-US" sz="3400" dirty="0"/>
+              <a:t> </a:t>
+            </a:r>
+            <a:r>
+              <a:rPr lang="en-US" sz="3400" dirty="0" err="1"/>
+              <a:t>na</a:t>
+            </a:r>
+            <a:r>
+              <a:rPr lang="en-US" sz="3400" dirty="0"/>
+              <a:t> </a:t>
+            </a:r>
+            <a:r>
+              <a:rPr lang="en-US" sz="3400" dirty="0" err="1"/>
+              <a:t>szeroko</a:t>
+            </a:r>
+            <a:r>
+              <a:rPr lang="en-US" sz="3400" dirty="0"/>
+              <a:t> </a:t>
+            </a:r>
+            <a:r>
+              <a:rPr lang="en-US" sz="3400" dirty="0" err="1"/>
+              <a:t>pojętym</a:t>
+            </a:r>
+            <a:r>
+              <a:rPr lang="en-US" sz="3400" dirty="0"/>
+              <a:t> </a:t>
+            </a:r>
+            <a:r>
+              <a:rPr lang="en-US" sz="3400" dirty="0" err="1"/>
+              <a:t>procesie</a:t>
+            </a:r>
+            <a:r>
+              <a:rPr lang="en-US" sz="3400" dirty="0"/>
+              <a:t> </a:t>
+            </a:r>
+            <a:r>
+              <a:rPr lang="en-US" sz="3400" dirty="0" err="1"/>
+              <a:t>wykrywania</a:t>
+            </a:r>
+            <a:r>
+              <a:rPr lang="en-US" sz="3400" dirty="0"/>
+              <a:t> </a:t>
+            </a:r>
+            <a:r>
+              <a:rPr lang="en-US" sz="3400" dirty="0" err="1"/>
+              <a:t>i</a:t>
+            </a:r>
+            <a:r>
+              <a:rPr lang="en-US" sz="3400" dirty="0"/>
+              <a:t> </a:t>
+            </a:r>
+            <a:r>
+              <a:rPr lang="en-US" sz="3400" dirty="0" err="1"/>
+              <a:t>reagowania</a:t>
+            </a:r>
+            <a:r>
+              <a:rPr lang="en-US" sz="3400" dirty="0"/>
+              <a:t> </a:t>
+            </a:r>
+            <a:r>
+              <a:rPr lang="en-US" sz="3400" dirty="0" err="1"/>
+              <a:t>na</a:t>
+            </a:r>
+            <a:r>
+              <a:rPr lang="en-US" sz="3400" dirty="0"/>
+              <a:t> </a:t>
+            </a:r>
+            <a:r>
+              <a:rPr lang="en-US" sz="3400" dirty="0" err="1"/>
+              <a:t>incydenty</a:t>
+            </a:r>
+            <a:r>
+              <a:rPr lang="en-US" sz="3400" dirty="0"/>
+              <a:t> </a:t>
+            </a:r>
+            <a:r>
+              <a:rPr lang="en-US" sz="3400" dirty="0" err="1"/>
+              <a:t>komputerowe</a:t>
+            </a:r>
+            <a:r>
+              <a:rPr lang="en-US" sz="3400" dirty="0"/>
+              <a:t> od </a:t>
+            </a:r>
+            <a:r>
+              <a:rPr lang="en-US" sz="3400" dirty="0" err="1"/>
+              <a:t>strony</a:t>
+            </a:r>
+            <a:r>
+              <a:rPr lang="en-US" sz="3400" dirty="0"/>
+              <a:t> </a:t>
+            </a:r>
+            <a:r>
+              <a:rPr lang="en-US" sz="3400" dirty="0" err="1"/>
+              <a:t>technicznej</a:t>
+            </a:r>
+            <a:r>
+              <a:rPr lang="en-US" sz="3400" dirty="0"/>
+              <a:t> </a:t>
+            </a:r>
+            <a:r>
+              <a:rPr lang="en-US" sz="3400" dirty="0" err="1"/>
+              <a:t>i</a:t>
+            </a:r>
+            <a:r>
+              <a:rPr lang="en-US" sz="3400" dirty="0"/>
+              <a:t> </a:t>
+            </a:r>
+            <a:r>
+              <a:rPr lang="en-US" sz="3400" dirty="0" err="1"/>
+              <a:t>organizacyjnej</a:t>
+            </a:r>
+            <a:endParaRPr lang="en-US" sz="3600" dirty="0"/>
           </a:p>
         </p:txBody>
       </p:sp>
@@ -13156,8 +13747,84 @@
               <a:buChar char="•"/>
             </a:pPr>
             <a:r>
-              <a:rPr lang="en-US" sz="2600"/>
-              <a:t>Dziedzina zajmująca się aktywnym śledzeniem zagrożeń i czynników z nimi związanych:</a:t>
+              <a:rPr lang="en-US" sz="2600" dirty="0" err="1"/>
+              <a:t>Dziedzina</a:t>
+            </a:r>
+            <a:r>
+              <a:rPr lang="en-US" sz="2600" dirty="0"/>
+              <a:t> </a:t>
+            </a:r>
+            <a:r>
+              <a:rPr lang="en-US" sz="2600" dirty="0" err="1"/>
+              <a:t>zajmująca</a:t>
+            </a:r>
+            <a:r>
+              <a:rPr lang="en-US" sz="2600" dirty="0"/>
+              <a:t> </a:t>
+            </a:r>
+            <a:r>
+              <a:rPr lang="en-US" sz="2600" dirty="0" err="1"/>
+              <a:t>się</a:t>
+            </a:r>
+            <a:r>
+              <a:rPr lang="en-US" sz="2600" dirty="0"/>
+              <a:t> </a:t>
+            </a:r>
+            <a:r>
+              <a:rPr lang="en-US" sz="2600" dirty="0" err="1"/>
+              <a:t>aktywnym</a:t>
+            </a:r>
+            <a:r>
+              <a:rPr lang="en-US" sz="2600" dirty="0"/>
+              <a:t> </a:t>
+            </a:r>
+            <a:r>
+              <a:rPr lang="en-US" sz="2600" dirty="0" err="1"/>
+              <a:t>śledzeniem</a:t>
+            </a:r>
+            <a:r>
+              <a:rPr lang="en-US" sz="2600" dirty="0"/>
+              <a:t> </a:t>
+            </a:r>
+            <a:r>
+              <a:rPr lang="en-US" sz="2600" dirty="0" err="1"/>
+              <a:t>zagrożeń</a:t>
+            </a:r>
+            <a:r>
+              <a:rPr lang="en-US" sz="2600" dirty="0"/>
+              <a:t> </a:t>
+            </a:r>
+            <a:r>
+              <a:rPr lang="en-US" sz="2600" dirty="0" err="1"/>
+              <a:t>i</a:t>
+            </a:r>
+            <a:r>
+              <a:rPr lang="en-US" sz="2600" dirty="0"/>
+              <a:t> </a:t>
+            </a:r>
+            <a:r>
+              <a:rPr lang="en-US" sz="2600" dirty="0" err="1"/>
+              <a:t>czynników</a:t>
+            </a:r>
+            <a:r>
+              <a:rPr lang="en-US" sz="2600" dirty="0"/>
+              <a:t> z </a:t>
+            </a:r>
+            <a:r>
+              <a:rPr lang="en-US" sz="2600" dirty="0" err="1"/>
+              <a:t>nimi</a:t>
+            </a:r>
+            <a:r>
+              <a:rPr lang="en-US" sz="2600" dirty="0"/>
+              <a:t> </a:t>
+            </a:r>
+            <a:r>
+              <a:rPr lang="en-US" sz="2600" dirty="0" err="1"/>
+              <a:t>związanych</a:t>
+            </a:r>
+            <a:r>
+              <a:rPr lang="en-US" sz="2600" dirty="0"/>
+              <a:t>:</a:t>
             </a:r>
           </a:p>
           <a:p>
@@ -13166,9 +13833,50 @@
               <a:buChar char="•"/>
             </a:pPr>
             <a:r>
-              <a:rPr lang="en-US" sz="2600"/>
-              <a:t>pojawianie się nowych podatności i technik</a:t>
-            </a:r>
+              <a:rPr lang="en-US" sz="2600" dirty="0" err="1"/>
+              <a:t>pojawianie</a:t>
+            </a:r>
+            <a:r>
+              <a:rPr lang="en-US" sz="2600" dirty="0"/>
+              <a:t> </a:t>
+            </a:r>
+            <a:r>
+              <a:rPr lang="en-US" sz="2600" dirty="0" err="1"/>
+              <a:t>się</a:t>
+            </a:r>
+            <a:r>
+              <a:rPr lang="en-US" sz="2600" dirty="0"/>
+              <a:t> </a:t>
+            </a:r>
+            <a:r>
+              <a:rPr lang="en-US" sz="2600" dirty="0" err="1"/>
+              <a:t>nowych</a:t>
+            </a:r>
+            <a:r>
+              <a:rPr lang="en-US" sz="2600" dirty="0"/>
+              <a:t> </a:t>
+            </a:r>
+            <a:r>
+              <a:rPr lang="en-US" sz="2600" dirty="0" err="1"/>
+              <a:t>podatności</a:t>
+            </a:r>
+            <a:r>
+              <a:rPr lang="en-US" sz="2600" dirty="0"/>
+              <a:t> </a:t>
+            </a:r>
+            <a:r>
+              <a:rPr lang="en-US" sz="2600" dirty="0" err="1"/>
+              <a:t>i</a:t>
+            </a:r>
+            <a:r>
+              <a:rPr lang="en-US" sz="2600" dirty="0"/>
+              <a:t> </a:t>
+            </a:r>
+            <a:r>
+              <a:rPr lang="en-US" sz="2600" dirty="0" err="1"/>
+              <a:t>technik</a:t>
+            </a:r>
+            <a:endParaRPr lang="en-US" sz="2600" dirty="0"/>
           </a:p>
           <a:p>
             <a:pPr marL="914400" lvl="1" indent="-457200">
@@ -13176,8 +13884,136 @@
               <a:buChar char="•"/>
             </a:pPr>
             <a:r>
-              <a:rPr lang="en-US" sz="2600"/>
-              <a:t>trendy obserwowane wśród aktorów zagrożeń (jakie ataki są przeprowadzane, w jaki sposób, jak dobierane są cele i co jest główną motywacją)</a:t>
+              <a:rPr lang="en-US" sz="2600" dirty="0"/>
+              <a:t>trendy </a:t>
+            </a:r>
+            <a:r>
+              <a:rPr lang="en-US" sz="2600" dirty="0" err="1"/>
+              <a:t>obserwowane</a:t>
+            </a:r>
+            <a:r>
+              <a:rPr lang="en-US" sz="2600" dirty="0"/>
+              <a:t> </a:t>
+            </a:r>
+            <a:r>
+              <a:rPr lang="en-US" sz="2600" dirty="0" err="1"/>
+              <a:t>wśród</a:t>
+            </a:r>
+            <a:r>
+              <a:rPr lang="en-US" sz="2600" dirty="0"/>
+              <a:t> </a:t>
+            </a:r>
+            <a:r>
+              <a:rPr lang="en-US" sz="2600" dirty="0" err="1"/>
+              <a:t>aktorów</a:t>
+            </a:r>
+            <a:r>
+              <a:rPr lang="en-US" sz="2600" dirty="0"/>
+              <a:t> </a:t>
+            </a:r>
+            <a:r>
+              <a:rPr lang="en-US" sz="2600" dirty="0" err="1"/>
+              <a:t>zagrożeń</a:t>
+            </a:r>
+            <a:r>
+              <a:rPr lang="en-US" sz="2600" dirty="0"/>
+              <a:t> (</a:t>
+            </a:r>
+            <a:r>
+              <a:rPr lang="en-US" sz="2600" dirty="0" err="1"/>
+              <a:t>jakie</a:t>
+            </a:r>
+            <a:r>
+              <a:rPr lang="en-US" sz="2600" dirty="0"/>
+              <a:t> </a:t>
+            </a:r>
+            <a:r>
+              <a:rPr lang="en-US" sz="2600" dirty="0" err="1"/>
+              <a:t>ataki</a:t>
+            </a:r>
+            <a:r>
+              <a:rPr lang="en-US" sz="2600" dirty="0"/>
+              <a:t> </a:t>
+            </a:r>
+            <a:r>
+              <a:rPr lang="en-US" sz="2600" dirty="0" err="1"/>
+              <a:t>są</a:t>
+            </a:r>
+            <a:r>
+              <a:rPr lang="en-US" sz="2600" dirty="0"/>
+              <a:t> </a:t>
+            </a:r>
+            <a:r>
+              <a:rPr lang="en-US" sz="2600" dirty="0" err="1"/>
+              <a:t>przeprowadzane</a:t>
+            </a:r>
+            <a:r>
+              <a:rPr lang="en-US" sz="2600" dirty="0"/>
+              <a:t>, w </a:t>
+            </a:r>
+            <a:r>
+              <a:rPr lang="en-US" sz="2600" dirty="0" err="1"/>
+              <a:t>jaki</a:t>
+            </a:r>
+            <a:r>
+              <a:rPr lang="en-US" sz="2600" dirty="0"/>
+              <a:t> </a:t>
+            </a:r>
+            <a:r>
+              <a:rPr lang="en-US" sz="2600" dirty="0" err="1"/>
+              <a:t>sposób</a:t>
+            </a:r>
+            <a:r>
+              <a:rPr lang="en-US" sz="2600" dirty="0"/>
+              <a:t>, jak </a:t>
+            </a:r>
+            <a:r>
+              <a:rPr lang="en-US" sz="2600" dirty="0" err="1"/>
+              <a:t>dobierane</a:t>
+            </a:r>
+            <a:r>
+              <a:rPr lang="en-US" sz="2600" dirty="0"/>
+              <a:t> </a:t>
+            </a:r>
+            <a:r>
+              <a:rPr lang="en-US" sz="2600" dirty="0" err="1"/>
+              <a:t>są</a:t>
+            </a:r>
+            <a:r>
+              <a:rPr lang="en-US" sz="2600" dirty="0"/>
+              <a:t> </a:t>
+            </a:r>
+            <a:r>
+              <a:rPr lang="en-US" sz="2600" dirty="0" err="1"/>
+              <a:t>cele</a:t>
+            </a:r>
+            <a:r>
+              <a:rPr lang="en-US" sz="2600" dirty="0"/>
+              <a:t> </a:t>
+            </a:r>
+            <a:r>
+              <a:rPr lang="en-US" sz="2600" dirty="0" err="1"/>
+              <a:t>i</a:t>
+            </a:r>
+            <a:r>
+              <a:rPr lang="en-US" sz="2600" dirty="0"/>
+              <a:t> co jest </a:t>
+            </a:r>
+            <a:r>
+              <a:rPr lang="en-US" sz="2600" dirty="0" err="1"/>
+              <a:t>główną</a:t>
+            </a:r>
+            <a:r>
+              <a:rPr lang="en-US" sz="2600" dirty="0"/>
+              <a:t> </a:t>
+            </a:r>
+            <a:r>
+              <a:rPr lang="en-US" sz="2600" dirty="0" err="1"/>
+              <a:t>motywacją</a:t>
+            </a:r>
+            <a:r>
+              <a:rPr lang="en-US" sz="2600" dirty="0"/>
+              <a:t>)</a:t>
             </a:r>
           </a:p>
           <a:p>
@@ -13186,9 +14022,34 @@
               <a:buChar char="•"/>
             </a:pPr>
             <a:r>
-              <a:rPr lang="en-US" sz="2600"/>
-              <a:t>Wspomaganie procesu retrospektywnego Threat Huntingu</a:t>
-            </a:r>
+              <a:rPr lang="en-US" sz="2600" dirty="0" err="1"/>
+              <a:t>Wspomaganie</a:t>
+            </a:r>
+            <a:r>
+              <a:rPr lang="en-US" sz="2600" dirty="0"/>
+              <a:t> </a:t>
+            </a:r>
+            <a:r>
+              <a:rPr lang="en-US" sz="2600" dirty="0" err="1"/>
+              <a:t>procesu</a:t>
+            </a:r>
+            <a:r>
+              <a:rPr lang="en-US" sz="2600" dirty="0"/>
+              <a:t> </a:t>
+            </a:r>
+            <a:r>
+              <a:rPr lang="en-US" sz="2600" dirty="0" err="1"/>
+              <a:t>retrospektywnego</a:t>
+            </a:r>
+            <a:r>
+              <a:rPr lang="en-US" sz="2600" dirty="0"/>
+              <a:t> Threat </a:t>
+            </a:r>
+            <a:r>
+              <a:rPr lang="en-US" sz="2600" dirty="0" err="1"/>
+              <a:t>Huntingu</a:t>
+            </a:r>
+            <a:endParaRPr lang="en-US" sz="2600" dirty="0"/>
           </a:p>
           <a:p>
             <a:pPr marL="457200" indent="-457200">
@@ -13196,8 +14057,160 @@
               <a:buChar char="•"/>
             </a:pPr>
             <a:r>
-              <a:rPr lang="en-US" sz="2600"/>
-              <a:t>Łączenie tej wiedzy z wiedzą o własnej organizacji w celu szacowania i przewidywania, które z obecnie znanych zagrożęń stanowią największe ryzyko dla organizacji (threat modeling)</a:t>
+              <a:rPr lang="en-US" sz="2600" dirty="0" err="1"/>
+              <a:t>Łączenie</a:t>
+            </a:r>
+            <a:r>
+              <a:rPr lang="en-US" sz="2600" dirty="0"/>
+              <a:t> </a:t>
+            </a:r>
+            <a:r>
+              <a:rPr lang="en-US" sz="2600" dirty="0" err="1"/>
+              <a:t>tej</a:t>
+            </a:r>
+            <a:r>
+              <a:rPr lang="en-US" sz="2600" dirty="0"/>
+              <a:t> </a:t>
+            </a:r>
+            <a:r>
+              <a:rPr lang="en-US" sz="2600" dirty="0" err="1"/>
+              <a:t>wiedzy</a:t>
+            </a:r>
+            <a:r>
+              <a:rPr lang="en-US" sz="2600" dirty="0"/>
+              <a:t> z </a:t>
+            </a:r>
+            <a:r>
+              <a:rPr lang="en-US" sz="2600" dirty="0" err="1"/>
+              <a:t>wiedzą</a:t>
+            </a:r>
+            <a:r>
+              <a:rPr lang="en-US" sz="2600" dirty="0"/>
+              <a:t> o </a:t>
+            </a:r>
+            <a:r>
+              <a:rPr lang="en-US" sz="2600" dirty="0" err="1"/>
+              <a:t>własnej</a:t>
+            </a:r>
+            <a:r>
+              <a:rPr lang="en-US" sz="2600" dirty="0"/>
+              <a:t> </a:t>
+            </a:r>
+            <a:r>
+              <a:rPr lang="en-US" sz="2600" dirty="0" err="1"/>
+              <a:t>organizacji</a:t>
+            </a:r>
+            <a:r>
+              <a:rPr lang="en-US" sz="2600" dirty="0"/>
+              <a:t> w </a:t>
+            </a:r>
+            <a:r>
+              <a:rPr lang="en-US" sz="2600" dirty="0" err="1"/>
+              <a:t>celu</a:t>
+            </a:r>
+            <a:r>
+              <a:rPr lang="en-US" sz="2600" dirty="0"/>
+              <a:t> </a:t>
+            </a:r>
+            <a:r>
+              <a:rPr lang="en-US" sz="2600" dirty="0" err="1"/>
+              <a:t>szacowania</a:t>
+            </a:r>
+            <a:r>
+              <a:rPr lang="en-US" sz="2600" dirty="0"/>
+              <a:t> </a:t>
+            </a:r>
+            <a:r>
+              <a:rPr lang="en-US" sz="2600" dirty="0" err="1"/>
+              <a:t>i</a:t>
+            </a:r>
+            <a:r>
+              <a:rPr lang="en-US" sz="2600" dirty="0"/>
+              <a:t> </a:t>
+            </a:r>
+            <a:r>
+              <a:rPr lang="en-US" sz="2600" dirty="0" err="1"/>
+              <a:t>przewidywania</a:t>
+            </a:r>
+            <a:r>
+              <a:rPr lang="en-US" sz="2600" dirty="0"/>
+              <a:t>, </a:t>
+            </a:r>
+            <a:r>
+              <a:rPr lang="en-US" sz="2600" dirty="0" err="1"/>
+              <a:t>które</a:t>
+            </a:r>
+            <a:r>
+              <a:rPr lang="en-US" sz="2600" dirty="0"/>
+              <a:t> z </a:t>
+            </a:r>
+            <a:r>
+              <a:rPr lang="en-US" sz="2600" dirty="0" err="1"/>
+              <a:t>obecnie</a:t>
+            </a:r>
+            <a:r>
+              <a:rPr lang="en-US" sz="2600" dirty="0"/>
+              <a:t> </a:t>
+            </a:r>
+            <a:r>
+              <a:rPr lang="en-US" sz="2600" dirty="0" err="1"/>
+              <a:t>znanych</a:t>
+            </a:r>
+            <a:r>
+              <a:rPr lang="en-US" sz="2600" dirty="0"/>
+              <a:t> </a:t>
+            </a:r>
+            <a:r>
+              <a:rPr lang="en-US" sz="2600" dirty="0" err="1"/>
+              <a:t>zagroż</a:t>
+            </a:r>
+            <a:r>
+              <a:rPr lang="pl-PL" sz="2600" dirty="0"/>
+              <a:t>e</a:t>
+            </a:r>
+            <a:r>
+              <a:rPr lang="en-US" sz="2600" dirty="0"/>
+              <a:t>ń </a:t>
+            </a:r>
+            <a:r>
+              <a:rPr lang="en-US" sz="2600" dirty="0" err="1"/>
+              <a:t>stanowią</a:t>
+            </a:r>
+            <a:r>
+              <a:rPr lang="en-US" sz="2600" dirty="0"/>
+              <a:t> </a:t>
+            </a:r>
+            <a:r>
+              <a:rPr lang="en-US" sz="2600" dirty="0" err="1"/>
+              <a:t>największe</a:t>
+            </a:r>
+            <a:r>
+              <a:rPr lang="en-US" sz="2600" dirty="0"/>
+              <a:t> </a:t>
+            </a:r>
+            <a:r>
+              <a:rPr lang="en-US" sz="2600" dirty="0" err="1"/>
+              <a:t>ryzyko</a:t>
+            </a:r>
+            <a:r>
+              <a:rPr lang="en-US" sz="2600" dirty="0"/>
+              <a:t> </a:t>
+            </a:r>
+            <a:r>
+              <a:rPr lang="en-US" sz="2600" dirty="0" err="1"/>
+              <a:t>dla</a:t>
+            </a:r>
+            <a:r>
+              <a:rPr lang="en-US" sz="2600" dirty="0"/>
+              <a:t> </a:t>
+            </a:r>
+            <a:r>
+              <a:rPr lang="en-US" sz="2600" dirty="0" err="1"/>
+              <a:t>organizacji</a:t>
+            </a:r>
+            <a:r>
+              <a:rPr lang="en-US" sz="2600" dirty="0"/>
+              <a:t> (threat modeling)</a:t>
             </a:r>
           </a:p>
         </p:txBody>
@@ -14984,49 +15997,127 @@
               <a:buChar char="•"/>
             </a:pPr>
             <a:r>
-              <a:rPr lang="en-US" sz="2300">
+              <a:rPr lang="en-US" sz="2300" dirty="0" err="1">
                 <a:sym typeface="Wingdings" panose="05000000000000000000" pitchFamily="2" charset="2"/>
               </a:rPr>
-              <a:t>Przełamywanie zabezpieczeń celem zebrania dowodów elektronicznych </a:t>
-            </a:r>
-            <a:r>
-              <a:rPr lang="pl-PL" sz="2300">
+              <a:t>Przełamywanie</a:t>
+            </a:r>
+            <a:r>
+              <a:rPr lang="en-US" sz="2300" dirty="0">
                 <a:sym typeface="Wingdings" panose="05000000000000000000" pitchFamily="2" charset="2"/>
               </a:rPr>
+              <a:t> </a:t>
+            </a:r>
+            <a:r>
+              <a:rPr lang="en-US" sz="2300" dirty="0" err="1">
+                <a:sym typeface="Wingdings" panose="05000000000000000000" pitchFamily="2" charset="2"/>
+              </a:rPr>
+              <a:t>zabezpieczeń</a:t>
+            </a:r>
+            <a:r>
+              <a:rPr lang="en-US" sz="2300" dirty="0">
+                <a:sym typeface="Wingdings" panose="05000000000000000000" pitchFamily="2" charset="2"/>
+              </a:rPr>
+              <a:t> </a:t>
+            </a:r>
+            <a:r>
+              <a:rPr lang="en-US" sz="2300" dirty="0" err="1">
+                <a:sym typeface="Wingdings" panose="05000000000000000000" pitchFamily="2" charset="2"/>
+              </a:rPr>
+              <a:t>celem</a:t>
+            </a:r>
+            <a:r>
+              <a:rPr lang="en-US" sz="2300" dirty="0">
+                <a:sym typeface="Wingdings" panose="05000000000000000000" pitchFamily="2" charset="2"/>
+              </a:rPr>
+              <a:t> </a:t>
+            </a:r>
+            <a:r>
+              <a:rPr lang="en-US" sz="2300" dirty="0" err="1">
+                <a:sym typeface="Wingdings" panose="05000000000000000000" pitchFamily="2" charset="2"/>
+              </a:rPr>
+              <a:t>zebrania</a:t>
+            </a:r>
+            <a:r>
+              <a:rPr lang="en-US" sz="2300" dirty="0">
+                <a:sym typeface="Wingdings" panose="05000000000000000000" pitchFamily="2" charset="2"/>
+              </a:rPr>
+              <a:t> </a:t>
+            </a:r>
+            <a:r>
+              <a:rPr lang="en-US" sz="2300" dirty="0" err="1">
+                <a:sym typeface="Wingdings" panose="05000000000000000000" pitchFamily="2" charset="2"/>
+              </a:rPr>
+              <a:t>dowodów</a:t>
+            </a:r>
+            <a:r>
+              <a:rPr lang="en-US" sz="2300" dirty="0">
+                <a:sym typeface="Wingdings" panose="05000000000000000000" pitchFamily="2" charset="2"/>
+              </a:rPr>
+              <a:t> </a:t>
+            </a:r>
+            <a:r>
+              <a:rPr lang="en-US" sz="2300" dirty="0" err="1">
+                <a:sym typeface="Wingdings" panose="05000000000000000000" pitchFamily="2" charset="2"/>
+              </a:rPr>
+              <a:t>elektronicznych</a:t>
+            </a:r>
+            <a:r>
+              <a:rPr lang="en-US" sz="2300" dirty="0">
+                <a:sym typeface="Wingdings" panose="05000000000000000000" pitchFamily="2" charset="2"/>
+              </a:rPr>
+              <a:t> </a:t>
+            </a:r>
+            <a:r>
+              <a:rPr lang="pl-PL" sz="2300" dirty="0">
+                <a:sym typeface="Wingdings" panose="05000000000000000000" pitchFamily="2" charset="2"/>
+              </a:rPr>
               <a:t>(</a:t>
             </a:r>
             <a:r>
-              <a:rPr lang="en-US" sz="2300">
+              <a:rPr lang="en-US" sz="2300" dirty="0">
                 <a:sym typeface="Wingdings" panose="05000000000000000000" pitchFamily="2" charset="2"/>
               </a:rPr>
-              <a:t>np. zdobywanie </a:t>
-            </a:r>
-            <a:r>
-              <a:rPr lang="pl-PL" sz="2300">
+              <a:t>np. </a:t>
+            </a:r>
+            <a:r>
+              <a:rPr lang="en-US" sz="2300" dirty="0" err="1">
                 <a:sym typeface="Wingdings" panose="05000000000000000000" pitchFamily="2" charset="2"/>
               </a:rPr>
+              <a:t>zdobywanie</a:t>
+            </a:r>
+            <a:r>
+              <a:rPr lang="en-US" sz="2300" dirty="0">
+                <a:sym typeface="Wingdings" panose="05000000000000000000" pitchFamily="2" charset="2"/>
+              </a:rPr>
+              <a:t> </a:t>
+            </a:r>
+            <a:r>
+              <a:rPr lang="pl-PL" sz="2300" dirty="0">
+                <a:sym typeface="Wingdings" panose="05000000000000000000" pitchFamily="2" charset="2"/>
+              </a:rPr>
               <a:t>root</a:t>
             </a:r>
             <a:r>
-              <a:rPr lang="en-US" sz="2300">
+              <a:rPr lang="en-US" sz="2300" dirty="0">
                 <a:sym typeface="Wingdings" panose="05000000000000000000" pitchFamily="2" charset="2"/>
               </a:rPr>
               <a:t>a</a:t>
             </a:r>
             <a:r>
-              <a:rPr lang="pl-PL" sz="2300">
+              <a:rPr lang="pl-PL" sz="2300" dirty="0">
                 <a:sym typeface="Wingdings" panose="05000000000000000000" pitchFamily="2" charset="2"/>
               </a:rPr>
               <a:t> on Androi</a:t>
             </a:r>
             <a:r>
-              <a:rPr lang="en-US" sz="2300">
+              <a:rPr lang="en-US" sz="2300" dirty="0" err="1">
                 <a:sym typeface="Wingdings" panose="05000000000000000000" pitchFamily="2" charset="2"/>
               </a:rPr>
               <a:t>dzie</a:t>
             </a:r>
             <a:r>
-              <a:rPr lang="pl-PL" sz="2300">
+              <a:rPr lang="pl-PL" sz="2300" dirty="0">
                 <a:sym typeface="Wingdings" panose="05000000000000000000" pitchFamily="2" charset="2"/>
               </a:rPr>
               <a:t>)</a:t>
@@ -15038,25 +16129,43 @@
               <a:buChar char="•"/>
             </a:pPr>
             <a:r>
-              <a:rPr lang="en-US" sz="2300">
+              <a:rPr lang="en-US" sz="2300" dirty="0" err="1">
                 <a:sym typeface="Wingdings" panose="05000000000000000000" pitchFamily="2" charset="2"/>
               </a:rPr>
-              <a:t>Użycie </a:t>
-            </a:r>
-            <a:r>
-              <a:rPr lang="pl-PL" sz="2300">
+              <a:t>Użycie</a:t>
+            </a:r>
+            <a:r>
+              <a:rPr lang="en-US" sz="2300" dirty="0">
                 <a:sym typeface="Wingdings" panose="05000000000000000000" pitchFamily="2" charset="2"/>
               </a:rPr>
+              <a:t> </a:t>
+            </a:r>
+            <a:r>
+              <a:rPr lang="pl-PL" sz="2300" dirty="0">
+                <a:sym typeface="Wingdings" panose="05000000000000000000" pitchFamily="2" charset="2"/>
+              </a:rPr>
               <a:t>GPO </a:t>
             </a:r>
             <a:r>
-              <a:rPr lang="en-US" sz="2300">
+              <a:rPr lang="en-US" sz="2300" dirty="0">
                 <a:sym typeface="Wingdings" panose="05000000000000000000" pitchFamily="2" charset="2"/>
               </a:rPr>
-              <a:t>do dystrybucji </a:t>
-            </a:r>
-            <a:r>
-              <a:rPr lang="pl-PL" sz="2300">
+              <a:t>do </a:t>
+            </a:r>
+            <a:r>
+              <a:rPr lang="en-US" sz="2300" dirty="0" err="1">
+                <a:sym typeface="Wingdings" panose="05000000000000000000" pitchFamily="2" charset="2"/>
+              </a:rPr>
+              <a:t>dystrybucji</a:t>
+            </a:r>
+            <a:r>
+              <a:rPr lang="en-US" sz="2300" dirty="0">
+                <a:sym typeface="Wingdings" panose="05000000000000000000" pitchFamily="2" charset="2"/>
+              </a:rPr>
+              <a:t> </a:t>
+            </a:r>
+            <a:r>
+              <a:rPr lang="pl-PL" sz="2300" dirty="0">
                 <a:sym typeface="Wingdings" panose="05000000000000000000" pitchFamily="2" charset="2"/>
               </a:rPr>
               <a:t>malware (Ryuk ransomware)</a:t>
@@ -15068,25 +16177,79 @@
               <a:buChar char="•"/>
             </a:pPr>
             <a:r>
-              <a:rPr lang="en-US" sz="2300">
+              <a:rPr lang="en-US" sz="2300" dirty="0" err="1">
                 <a:sym typeface="Wingdings" panose="05000000000000000000" pitchFamily="2" charset="2"/>
               </a:rPr>
-              <a:t>Podatność prowadząca do </a:t>
-            </a:r>
-            <a:r>
-              <a:rPr lang="pl-PL" sz="2300">
+              <a:t>Podatność</a:t>
+            </a:r>
+            <a:r>
+              <a:rPr lang="en-US" sz="2300" dirty="0">
                 <a:sym typeface="Wingdings" panose="05000000000000000000" pitchFamily="2" charset="2"/>
               </a:rPr>
+              <a:t> </a:t>
+            </a:r>
+            <a:r>
+              <a:rPr lang="en-US" sz="2300" dirty="0" err="1">
+                <a:sym typeface="Wingdings" panose="05000000000000000000" pitchFamily="2" charset="2"/>
+              </a:rPr>
+              <a:t>prowadząca</a:t>
+            </a:r>
+            <a:r>
+              <a:rPr lang="en-US" sz="2300" dirty="0">
+                <a:sym typeface="Wingdings" panose="05000000000000000000" pitchFamily="2" charset="2"/>
+              </a:rPr>
+              <a:t> do </a:t>
+            </a:r>
+            <a:r>
+              <a:rPr lang="pl-PL" sz="2300" dirty="0">
+                <a:sym typeface="Wingdings" panose="05000000000000000000" pitchFamily="2" charset="2"/>
+              </a:rPr>
               <a:t>RCE </a:t>
             </a:r>
             <a:r>
-              <a:rPr lang="en-US" sz="2300">
+              <a:rPr lang="en-US" sz="2300" dirty="0" err="1">
                 <a:sym typeface="Wingdings" panose="05000000000000000000" pitchFamily="2" charset="2"/>
               </a:rPr>
-              <a:t>wykorzystana do załatania samej siebie</a:t>
-            </a:r>
-            <a:r>
-              <a:rPr lang="pl-PL" sz="2300">
+              <a:t>wykorzystana</a:t>
+            </a:r>
+            <a:r>
+              <a:rPr lang="en-US" sz="2300" dirty="0">
+                <a:sym typeface="Wingdings" panose="05000000000000000000" pitchFamily="2" charset="2"/>
+              </a:rPr>
+              <a:t> do </a:t>
+            </a:r>
+            <a:r>
+              <a:rPr lang="en-US" sz="2300" dirty="0" err="1">
+                <a:sym typeface="Wingdings" panose="05000000000000000000" pitchFamily="2" charset="2"/>
+              </a:rPr>
+              <a:t>załatania</a:t>
+            </a:r>
+            <a:r>
+              <a:rPr lang="en-US" sz="2300" dirty="0">
+                <a:sym typeface="Wingdings" panose="05000000000000000000" pitchFamily="2" charset="2"/>
+              </a:rPr>
+              <a:t> </a:t>
+            </a:r>
+            <a:r>
+              <a:rPr lang="en-US" sz="2300" dirty="0" err="1">
+                <a:sym typeface="Wingdings" panose="05000000000000000000" pitchFamily="2" charset="2"/>
+              </a:rPr>
+              <a:t>samej</a:t>
+            </a:r>
+            <a:r>
+              <a:rPr lang="en-US" sz="2300" dirty="0">
+                <a:sym typeface="Wingdings" panose="05000000000000000000" pitchFamily="2" charset="2"/>
+              </a:rPr>
+              <a:t> </a:t>
+            </a:r>
+            <a:r>
+              <a:rPr lang="en-US" sz="2300" dirty="0" err="1">
+                <a:sym typeface="Wingdings" panose="05000000000000000000" pitchFamily="2" charset="2"/>
+              </a:rPr>
+              <a:t>siebie</a:t>
+            </a:r>
+            <a:r>
+              <a:rPr lang="pl-PL" sz="2300" dirty="0">
                 <a:sym typeface="Wingdings" panose="05000000000000000000" pitchFamily="2" charset="2"/>
               </a:rPr>
               <a:t> (Karsten Nohl’s rooting SIM cards)</a:t>
@@ -15098,25 +16261,91 @@
               <a:buChar char="•"/>
             </a:pPr>
             <a:r>
-              <a:rPr lang="en-US" sz="2300">
+              <a:rPr lang="en-US" sz="2300" dirty="0" err="1">
                 <a:sym typeface="Wingdings" panose="05000000000000000000" pitchFamily="2" charset="2"/>
               </a:rPr>
-              <a:t>Wtargnięcie do sieci poprzez wyekspllojtowanie systemu zabezpieczającego do </a:t>
-            </a:r>
-            <a:r>
-              <a:rPr lang="pl-PL" sz="2300">
+              <a:t>Wtargnięcie</a:t>
+            </a:r>
+            <a:r>
+              <a:rPr lang="en-US" sz="2300" dirty="0">
                 <a:sym typeface="Wingdings" panose="05000000000000000000" pitchFamily="2" charset="2"/>
               </a:rPr>
+              <a:t> do </a:t>
+            </a:r>
+            <a:r>
+              <a:rPr lang="en-US" sz="2300" dirty="0" err="1">
+                <a:sym typeface="Wingdings" panose="05000000000000000000" pitchFamily="2" charset="2"/>
+              </a:rPr>
+              <a:t>sieci</a:t>
+            </a:r>
+            <a:r>
+              <a:rPr lang="en-US" sz="2300" dirty="0">
+                <a:sym typeface="Wingdings" panose="05000000000000000000" pitchFamily="2" charset="2"/>
+              </a:rPr>
+              <a:t> </a:t>
+            </a:r>
+            <a:r>
+              <a:rPr lang="en-US" sz="2300" dirty="0" err="1">
+                <a:sym typeface="Wingdings" panose="05000000000000000000" pitchFamily="2" charset="2"/>
+              </a:rPr>
+              <a:t>poprzez</a:t>
+            </a:r>
+            <a:r>
+              <a:rPr lang="en-US" sz="2300" dirty="0">
+                <a:sym typeface="Wingdings" panose="05000000000000000000" pitchFamily="2" charset="2"/>
+              </a:rPr>
+              <a:t> </a:t>
+            </a:r>
+            <a:r>
+              <a:rPr lang="en-US" sz="2300" dirty="0" err="1">
+                <a:sym typeface="Wingdings" panose="05000000000000000000" pitchFamily="2" charset="2"/>
+              </a:rPr>
+              <a:t>wyeksplojtowanie</a:t>
+            </a:r>
+            <a:r>
+              <a:rPr lang="en-US" sz="2300" dirty="0">
+                <a:sym typeface="Wingdings" panose="05000000000000000000" pitchFamily="2" charset="2"/>
+              </a:rPr>
+              <a:t> </a:t>
+            </a:r>
+            <a:r>
+              <a:rPr lang="en-US" sz="2300" dirty="0" err="1">
+                <a:sym typeface="Wingdings" panose="05000000000000000000" pitchFamily="2" charset="2"/>
+              </a:rPr>
+              <a:t>systemu</a:t>
+            </a:r>
+            <a:r>
+              <a:rPr lang="en-US" sz="2300" dirty="0">
+                <a:sym typeface="Wingdings" panose="05000000000000000000" pitchFamily="2" charset="2"/>
+              </a:rPr>
+              <a:t> </a:t>
+            </a:r>
+            <a:r>
+              <a:rPr lang="en-US" sz="2300" dirty="0" err="1">
+                <a:sym typeface="Wingdings" panose="05000000000000000000" pitchFamily="2" charset="2"/>
+              </a:rPr>
+              <a:t>zabezpieczającego</a:t>
+            </a:r>
+            <a:r>
+              <a:rPr lang="en-US" sz="2300" dirty="0">
+                <a:sym typeface="Wingdings" panose="05000000000000000000" pitchFamily="2" charset="2"/>
+              </a:rPr>
+              <a:t> do </a:t>
+            </a:r>
+            <a:r>
+              <a:rPr lang="pl-PL" sz="2300" dirty="0">
+                <a:sym typeface="Wingdings" panose="05000000000000000000" pitchFamily="2" charset="2"/>
+              </a:rPr>
               <a:t> (</a:t>
             </a:r>
             <a:r>
-              <a:rPr lang="en-US" sz="2300">
+              <a:rPr lang="en-US" sz="2300" dirty="0">
                 <a:sym typeface="Wingdings" panose="05000000000000000000" pitchFamily="2" charset="2"/>
               </a:rPr>
               <a:t>np.</a:t>
             </a:r>
             <a:r>
-              <a:rPr lang="pl-PL" sz="2300">
+              <a:rPr lang="pl-PL" sz="2300" dirty="0">
                 <a:sym typeface="Wingdings" panose="05000000000000000000" pitchFamily="2" charset="2"/>
               </a:rPr>
               <a:t> ArcSight Logger RCE)</a:t>
@@ -15128,12 +16357,66 @@
               <a:buChar char="•"/>
             </a:pPr>
             <a:r>
-              <a:rPr lang="en-US" sz="2300">
+              <a:rPr lang="en-US" sz="2300" dirty="0" err="1">
                 <a:sym typeface="Wingdings" panose="05000000000000000000" pitchFamily="2" charset="2"/>
               </a:rPr>
-              <a:t>Wyeksplojtowanie systemu (np. eskalacja uprawnień) poprzez AV/EDR </a:t>
-            </a:r>
-            <a:endParaRPr lang="pl-PL" sz="2300">
+              <a:t>Wyeksplojtowanie</a:t>
+            </a:r>
+            <a:r>
+              <a:rPr lang="en-US" sz="2300" dirty="0">
+                <a:sym typeface="Wingdings" panose="05000000000000000000" pitchFamily="2" charset="2"/>
+              </a:rPr>
+              <a:t> </a:t>
+            </a:r>
+            <a:r>
+              <a:rPr lang="en-US" sz="2300" dirty="0" err="1">
+                <a:sym typeface="Wingdings" panose="05000000000000000000" pitchFamily="2" charset="2"/>
+              </a:rPr>
+              <a:t>systemu</a:t>
+            </a:r>
+            <a:r>
+              <a:rPr lang="en-US" sz="2300" dirty="0">
+                <a:sym typeface="Wingdings" panose="05000000000000000000" pitchFamily="2" charset="2"/>
+              </a:rPr>
+              <a:t> (np. </a:t>
+            </a:r>
+            <a:r>
+              <a:rPr lang="en-US" sz="2300" dirty="0" err="1">
+                <a:sym typeface="Wingdings" panose="05000000000000000000" pitchFamily="2" charset="2"/>
+              </a:rPr>
+              <a:t>eskalacja</a:t>
+            </a:r>
+            <a:r>
+              <a:rPr lang="en-US" sz="2300" dirty="0">
+                <a:sym typeface="Wingdings" panose="05000000000000000000" pitchFamily="2" charset="2"/>
+              </a:rPr>
+              <a:t> </a:t>
+            </a:r>
+            <a:r>
+              <a:rPr lang="en-US" sz="2300" dirty="0" err="1">
+                <a:sym typeface="Wingdings" panose="05000000000000000000" pitchFamily="2" charset="2"/>
+              </a:rPr>
+              <a:t>uprawnień</a:t>
+            </a:r>
+            <a:r>
+              <a:rPr lang="en-US" sz="2300" dirty="0">
+                <a:sym typeface="Wingdings" panose="05000000000000000000" pitchFamily="2" charset="2"/>
+              </a:rPr>
+              <a:t>) </a:t>
+            </a:r>
+            <a:r>
+              <a:rPr lang="en-US" sz="2300" dirty="0" err="1">
+                <a:sym typeface="Wingdings" panose="05000000000000000000" pitchFamily="2" charset="2"/>
+              </a:rPr>
+              <a:t>poprzez</a:t>
+            </a:r>
+            <a:r>
+              <a:rPr lang="en-US" sz="2300" dirty="0">
+                <a:sym typeface="Wingdings" panose="05000000000000000000" pitchFamily="2" charset="2"/>
+              </a:rPr>
+              <a:t> AV/EDR </a:t>
+            </a:r>
+            <a:endParaRPr lang="pl-PL" sz="2300" dirty="0">
               <a:sym typeface="Wingdings" panose="05000000000000000000" pitchFamily="2" charset="2"/>
             </a:endParaRPr>
           </a:p>
@@ -15143,37 +16426,307 @@
               <a:buChar char="•"/>
             </a:pPr>
             <a:r>
-              <a:rPr lang="en-US" sz="2300">
+              <a:rPr lang="en-US" sz="2300" dirty="0" err="1">
                 <a:sym typeface="Wingdings" panose="05000000000000000000" pitchFamily="2" charset="2"/>
               </a:rPr>
-              <a:t>Ofensywne wykorzystanie technik analizy malware'u przeciwko produktom</a:t>
-            </a:r>
-            <a:r>
-              <a:rPr lang="pl-PL" sz="2300">
+              <a:t>Ofensywne</a:t>
+            </a:r>
+            <a:r>
+              <a:rPr lang="en-US" sz="2300" dirty="0">
                 <a:sym typeface="Wingdings" panose="05000000000000000000" pitchFamily="2" charset="2"/>
               </a:rPr>
+              <a:t> </a:t>
+            </a:r>
+            <a:r>
+              <a:rPr lang="en-US" sz="2300" dirty="0" err="1">
+                <a:sym typeface="Wingdings" panose="05000000000000000000" pitchFamily="2" charset="2"/>
+              </a:rPr>
+              <a:t>wykorzystanie</a:t>
+            </a:r>
+            <a:r>
+              <a:rPr lang="en-US" sz="2300" dirty="0">
+                <a:sym typeface="Wingdings" panose="05000000000000000000" pitchFamily="2" charset="2"/>
+              </a:rPr>
+              <a:t> </a:t>
+            </a:r>
+            <a:r>
+              <a:rPr lang="en-US" sz="2300" dirty="0" err="1">
+                <a:sym typeface="Wingdings" panose="05000000000000000000" pitchFamily="2" charset="2"/>
+              </a:rPr>
+              <a:t>technik</a:t>
+            </a:r>
+            <a:r>
+              <a:rPr lang="en-US" sz="2300" dirty="0">
+                <a:sym typeface="Wingdings" panose="05000000000000000000" pitchFamily="2" charset="2"/>
+              </a:rPr>
+              <a:t> </a:t>
+            </a:r>
+            <a:r>
+              <a:rPr lang="en-US" sz="2300" dirty="0" err="1">
+                <a:sym typeface="Wingdings" panose="05000000000000000000" pitchFamily="2" charset="2"/>
+              </a:rPr>
+              <a:t>analizy</a:t>
+            </a:r>
+            <a:r>
+              <a:rPr lang="en-US" sz="2300" dirty="0">
+                <a:sym typeface="Wingdings" panose="05000000000000000000" pitchFamily="2" charset="2"/>
+              </a:rPr>
+              <a:t> </a:t>
+            </a:r>
+            <a:r>
+              <a:rPr lang="en-US" sz="2300" dirty="0" err="1">
+                <a:sym typeface="Wingdings" panose="05000000000000000000" pitchFamily="2" charset="2"/>
+              </a:rPr>
+              <a:t>malware'u</a:t>
+            </a:r>
+            <a:r>
+              <a:rPr lang="en-US" sz="2300" dirty="0">
+                <a:sym typeface="Wingdings" panose="05000000000000000000" pitchFamily="2" charset="2"/>
+              </a:rPr>
+              <a:t> </a:t>
+            </a:r>
+            <a:r>
+              <a:rPr lang="en-US" sz="2300" dirty="0" err="1">
+                <a:sym typeface="Wingdings" panose="05000000000000000000" pitchFamily="2" charset="2"/>
+              </a:rPr>
+              <a:t>przeciwko</a:t>
+            </a:r>
+            <a:r>
+              <a:rPr lang="en-US" sz="2300" dirty="0">
+                <a:sym typeface="Wingdings" panose="05000000000000000000" pitchFamily="2" charset="2"/>
+              </a:rPr>
+              <a:t> </a:t>
+            </a:r>
+            <a:r>
+              <a:rPr lang="en-US" sz="2300" dirty="0" err="1">
+                <a:sym typeface="Wingdings" panose="05000000000000000000" pitchFamily="2" charset="2"/>
+              </a:rPr>
+              <a:t>produktom</a:t>
+            </a:r>
+            <a:r>
+              <a:rPr lang="pl-PL" sz="2300" dirty="0">
+                <a:sym typeface="Wingdings" panose="05000000000000000000" pitchFamily="2" charset="2"/>
+              </a:rPr>
               <a:t> AV/EDR</a:t>
             </a:r>
             <a:r>
-              <a:rPr lang="en-US" sz="2300">
+              <a:rPr lang="en-US" sz="2300" dirty="0">
                 <a:sym typeface="Wingdings" panose="05000000000000000000" pitchFamily="2" charset="2"/>
               </a:rPr>
-              <a:t>, by znaleźć w nich słabość i je ominąć/zaatakować </a:t>
-            </a:r>
-            <a:r>
-              <a:rPr lang="pl-PL" sz="2300">
+              <a:t>, by </a:t>
+            </a:r>
+            <a:r>
+              <a:rPr lang="en-US" sz="2300" dirty="0" err="1">
                 <a:sym typeface="Wingdings" panose="05000000000000000000" pitchFamily="2" charset="2"/>
               </a:rPr>
+              <a:t>znaleźć</a:t>
+            </a:r>
+            <a:r>
+              <a:rPr lang="en-US" sz="2300" dirty="0">
+                <a:sym typeface="Wingdings" panose="05000000000000000000" pitchFamily="2" charset="2"/>
+              </a:rPr>
+              <a:t> w </a:t>
+            </a:r>
+            <a:r>
+              <a:rPr lang="en-US" sz="2300" dirty="0" err="1">
+                <a:sym typeface="Wingdings" panose="05000000000000000000" pitchFamily="2" charset="2"/>
+              </a:rPr>
+              <a:t>nich</a:t>
+            </a:r>
+            <a:r>
+              <a:rPr lang="en-US" sz="2300" dirty="0">
+                <a:sym typeface="Wingdings" panose="05000000000000000000" pitchFamily="2" charset="2"/>
+              </a:rPr>
+              <a:t> </a:t>
+            </a:r>
+            <a:r>
+              <a:rPr lang="en-US" sz="2300" dirty="0" err="1">
+                <a:sym typeface="Wingdings" panose="05000000000000000000" pitchFamily="2" charset="2"/>
+              </a:rPr>
+              <a:t>słabość</a:t>
+            </a:r>
+            <a:r>
+              <a:rPr lang="en-US" sz="2300" dirty="0">
+                <a:sym typeface="Wingdings" panose="05000000000000000000" pitchFamily="2" charset="2"/>
+              </a:rPr>
+              <a:t> </a:t>
+            </a:r>
+            <a:r>
+              <a:rPr lang="en-US" sz="2300" dirty="0" err="1">
+                <a:sym typeface="Wingdings" panose="05000000000000000000" pitchFamily="2" charset="2"/>
+              </a:rPr>
+              <a:t>i</a:t>
+            </a:r>
+            <a:r>
+              <a:rPr lang="en-US" sz="2300" dirty="0">
+                <a:sym typeface="Wingdings" panose="05000000000000000000" pitchFamily="2" charset="2"/>
+              </a:rPr>
+              <a:t> je </a:t>
+            </a:r>
+            <a:r>
+              <a:rPr lang="en-US" sz="2300" dirty="0" err="1">
+                <a:sym typeface="Wingdings" panose="05000000000000000000" pitchFamily="2" charset="2"/>
+              </a:rPr>
+              <a:t>ominąć</a:t>
+            </a:r>
+            <a:r>
+              <a:rPr lang="en-US" sz="2300" dirty="0">
+                <a:sym typeface="Wingdings" panose="05000000000000000000" pitchFamily="2" charset="2"/>
+              </a:rPr>
+              <a:t>/</a:t>
+            </a:r>
+            <a:r>
+              <a:rPr lang="en-US" sz="2300" dirty="0" err="1">
+                <a:sym typeface="Wingdings" panose="05000000000000000000" pitchFamily="2" charset="2"/>
+              </a:rPr>
+              <a:t>zaatakować</a:t>
+            </a:r>
+            <a:r>
+              <a:rPr lang="en-US" sz="2300" dirty="0">
+                <a:sym typeface="Wingdings" panose="05000000000000000000" pitchFamily="2" charset="2"/>
+              </a:rPr>
+              <a:t> </a:t>
+            </a:r>
+            <a:r>
+              <a:rPr lang="pl-PL" sz="2300" dirty="0">
+                <a:sym typeface="Wingdings" panose="05000000000000000000" pitchFamily="2" charset="2"/>
+              </a:rPr>
               <a:t>(</a:t>
             </a:r>
             <a:r>
-              <a:rPr lang="en-US" sz="2300">
+              <a:rPr lang="en-US" sz="2300" dirty="0">
                 <a:sym typeface="Wingdings" panose="05000000000000000000" pitchFamily="2" charset="2"/>
               </a:rPr>
-              <a:t>z ofensywnej perspektywy AV/EDR są malware'em - swoją drogą dzielą wiele cech wspólnych z rootkitami</a:t>
-            </a:r>
-            <a:r>
-              <a:rPr lang="pl-PL" sz="2300">
+              <a:t>z </a:t>
+            </a:r>
+            <a:r>
+              <a:rPr lang="en-US" sz="2300" dirty="0" err="1">
+                <a:sym typeface="Wingdings" panose="05000000000000000000" pitchFamily="2" charset="2"/>
+              </a:rPr>
+              <a:t>ofensywnej</a:t>
+            </a:r>
+            <a:r>
+              <a:rPr lang="en-US" sz="2300" dirty="0">
+                <a:sym typeface="Wingdings" panose="05000000000000000000" pitchFamily="2" charset="2"/>
+              </a:rPr>
+              <a:t> </a:t>
+            </a:r>
+            <a:r>
+              <a:rPr lang="en-US" sz="2300" dirty="0" err="1">
+                <a:sym typeface="Wingdings" panose="05000000000000000000" pitchFamily="2" charset="2"/>
+              </a:rPr>
+              <a:t>perspektywy</a:t>
+            </a:r>
+            <a:r>
+              <a:rPr lang="en-US" sz="2300" dirty="0">
+                <a:sym typeface="Wingdings" panose="05000000000000000000" pitchFamily="2" charset="2"/>
+              </a:rPr>
+              <a:t> AV/EDR </a:t>
+            </a:r>
+            <a:r>
+              <a:rPr lang="en-US" sz="2300" dirty="0" err="1">
+                <a:sym typeface="Wingdings" panose="05000000000000000000" pitchFamily="2" charset="2"/>
+              </a:rPr>
+              <a:t>są</a:t>
+            </a:r>
+            <a:r>
+              <a:rPr lang="en-US" sz="2300" dirty="0">
+                <a:sym typeface="Wingdings" panose="05000000000000000000" pitchFamily="2" charset="2"/>
+              </a:rPr>
+              <a:t> </a:t>
+            </a:r>
+            <a:r>
+              <a:rPr lang="en-US" sz="2300" dirty="0" err="1">
+                <a:sym typeface="Wingdings" panose="05000000000000000000" pitchFamily="2" charset="2"/>
+              </a:rPr>
+              <a:t>malware'em</a:t>
+            </a:r>
+            <a:r>
+              <a:rPr lang="en-US" sz="2300" dirty="0">
+                <a:sym typeface="Wingdings" panose="05000000000000000000" pitchFamily="2" charset="2"/>
+              </a:rPr>
+              <a:t> - </a:t>
+            </a:r>
+            <a:r>
+              <a:rPr lang="en-US" sz="2300" dirty="0" err="1">
+                <a:sym typeface="Wingdings" panose="05000000000000000000" pitchFamily="2" charset="2"/>
+              </a:rPr>
+              <a:t>swoją</a:t>
+            </a:r>
+            <a:r>
+              <a:rPr lang="en-US" sz="2300" dirty="0">
+                <a:sym typeface="Wingdings" panose="05000000000000000000" pitchFamily="2" charset="2"/>
+              </a:rPr>
+              <a:t> </a:t>
+            </a:r>
+            <a:r>
+              <a:rPr lang="en-US" sz="2300" dirty="0" err="1">
+                <a:sym typeface="Wingdings" panose="05000000000000000000" pitchFamily="2" charset="2"/>
+              </a:rPr>
+              <a:t>drogą</a:t>
+            </a:r>
+            <a:r>
+              <a:rPr lang="en-US" sz="2300" dirty="0">
+                <a:sym typeface="Wingdings" panose="05000000000000000000" pitchFamily="2" charset="2"/>
+              </a:rPr>
+              <a:t> </a:t>
+            </a:r>
+            <a:r>
+              <a:rPr lang="en-US" sz="2300" dirty="0" err="1">
+                <a:sym typeface="Wingdings" panose="05000000000000000000" pitchFamily="2" charset="2"/>
+              </a:rPr>
+              <a:t>dzielą</a:t>
+            </a:r>
+            <a:r>
+              <a:rPr lang="en-US" sz="2300" dirty="0">
+                <a:sym typeface="Wingdings" panose="05000000000000000000" pitchFamily="2" charset="2"/>
+              </a:rPr>
+              <a:t> </a:t>
+            </a:r>
+            <a:r>
+              <a:rPr lang="en-US" sz="2300" dirty="0" err="1">
+                <a:sym typeface="Wingdings" panose="05000000000000000000" pitchFamily="2" charset="2"/>
+              </a:rPr>
+              <a:t>wiele</a:t>
+            </a:r>
+            <a:r>
+              <a:rPr lang="en-US" sz="2300" dirty="0">
+                <a:sym typeface="Wingdings" panose="05000000000000000000" pitchFamily="2" charset="2"/>
+              </a:rPr>
+              <a:t> </a:t>
+            </a:r>
+            <a:r>
+              <a:rPr lang="en-US" sz="2300" dirty="0" err="1">
+                <a:sym typeface="Wingdings" panose="05000000000000000000" pitchFamily="2" charset="2"/>
+              </a:rPr>
+              <a:t>cech</a:t>
+            </a:r>
+            <a:r>
+              <a:rPr lang="en-US" sz="2300" dirty="0">
+                <a:sym typeface="Wingdings" panose="05000000000000000000" pitchFamily="2" charset="2"/>
+              </a:rPr>
+              <a:t> </a:t>
+            </a:r>
+            <a:r>
+              <a:rPr lang="en-US" sz="2300" dirty="0" err="1">
+                <a:sym typeface="Wingdings" panose="05000000000000000000" pitchFamily="2" charset="2"/>
+              </a:rPr>
+              <a:t>wspólnych</a:t>
+            </a:r>
+            <a:r>
+              <a:rPr lang="en-US" sz="2300" dirty="0">
+                <a:sym typeface="Wingdings" panose="05000000000000000000" pitchFamily="2" charset="2"/>
+              </a:rPr>
+              <a:t> z </a:t>
+            </a:r>
+            <a:r>
+              <a:rPr lang="en-US" sz="2300" dirty="0" err="1">
+                <a:sym typeface="Wingdings" panose="05000000000000000000" pitchFamily="2" charset="2"/>
+              </a:rPr>
+              <a:t>rootkitami</a:t>
+            </a:r>
+            <a:r>
+              <a:rPr lang="pl-PL" sz="2300" dirty="0">
                 <a:sym typeface="Wingdings" panose="05000000000000000000" pitchFamily="2" charset="2"/>
               </a:rPr>
               <a:t>)</a:t>
@@ -15185,25 +16738,121 @@
               <a:buChar char="•"/>
             </a:pPr>
             <a:r>
-              <a:rPr lang="en-US" sz="2300">
+              <a:rPr lang="en-US" sz="2300" dirty="0" err="1">
                 <a:sym typeface="Wingdings" panose="05000000000000000000" pitchFamily="2" charset="2"/>
               </a:rPr>
-              <a:t>Włamywanie się do systemu w ramach odpowiedzi na incydent </a:t>
-            </a:r>
-            <a:r>
-              <a:rPr lang="pl-PL" sz="2300">
+              <a:t>Włamywanie</a:t>
+            </a:r>
+            <a:r>
+              <a:rPr lang="en-US" sz="2300" dirty="0">
                 <a:sym typeface="Wingdings" panose="05000000000000000000" pitchFamily="2" charset="2"/>
               </a:rPr>
+              <a:t> </a:t>
+            </a:r>
+            <a:r>
+              <a:rPr lang="en-US" sz="2300" dirty="0" err="1">
+                <a:sym typeface="Wingdings" panose="05000000000000000000" pitchFamily="2" charset="2"/>
+              </a:rPr>
+              <a:t>się</a:t>
+            </a:r>
+            <a:r>
+              <a:rPr lang="en-US" sz="2300" dirty="0">
+                <a:sym typeface="Wingdings" panose="05000000000000000000" pitchFamily="2" charset="2"/>
+              </a:rPr>
+              <a:t> do </a:t>
+            </a:r>
+            <a:r>
+              <a:rPr lang="en-US" sz="2300" dirty="0" err="1">
+                <a:sym typeface="Wingdings" panose="05000000000000000000" pitchFamily="2" charset="2"/>
+              </a:rPr>
+              <a:t>systemu</a:t>
+            </a:r>
+            <a:r>
+              <a:rPr lang="en-US" sz="2300" dirty="0">
+                <a:sym typeface="Wingdings" panose="05000000000000000000" pitchFamily="2" charset="2"/>
+              </a:rPr>
+              <a:t> w </a:t>
+            </a:r>
+            <a:r>
+              <a:rPr lang="en-US" sz="2300" dirty="0" err="1">
+                <a:sym typeface="Wingdings" panose="05000000000000000000" pitchFamily="2" charset="2"/>
+              </a:rPr>
+              <a:t>ramach</a:t>
+            </a:r>
+            <a:r>
+              <a:rPr lang="en-US" sz="2300" dirty="0">
+                <a:sym typeface="Wingdings" panose="05000000000000000000" pitchFamily="2" charset="2"/>
+              </a:rPr>
+              <a:t> </a:t>
+            </a:r>
+            <a:r>
+              <a:rPr lang="en-US" sz="2300" dirty="0" err="1">
+                <a:sym typeface="Wingdings" panose="05000000000000000000" pitchFamily="2" charset="2"/>
+              </a:rPr>
+              <a:t>odpowiedzi</a:t>
+            </a:r>
+            <a:r>
+              <a:rPr lang="en-US" sz="2300" dirty="0">
+                <a:sym typeface="Wingdings" panose="05000000000000000000" pitchFamily="2" charset="2"/>
+              </a:rPr>
+              <a:t> </a:t>
+            </a:r>
+            <a:r>
+              <a:rPr lang="en-US" sz="2300" dirty="0" err="1">
+                <a:sym typeface="Wingdings" panose="05000000000000000000" pitchFamily="2" charset="2"/>
+              </a:rPr>
+              <a:t>na</a:t>
+            </a:r>
+            <a:r>
+              <a:rPr lang="en-US" sz="2300" dirty="0">
+                <a:sym typeface="Wingdings" panose="05000000000000000000" pitchFamily="2" charset="2"/>
+              </a:rPr>
+              <a:t> </a:t>
+            </a:r>
+            <a:r>
+              <a:rPr lang="en-US" sz="2300" dirty="0" err="1">
+                <a:sym typeface="Wingdings" panose="05000000000000000000" pitchFamily="2" charset="2"/>
+              </a:rPr>
+              <a:t>incydent</a:t>
+            </a:r>
+            <a:r>
+              <a:rPr lang="en-US" sz="2300" dirty="0">
+                <a:sym typeface="Wingdings" panose="05000000000000000000" pitchFamily="2" charset="2"/>
+              </a:rPr>
+              <a:t> </a:t>
+            </a:r>
+            <a:r>
+              <a:rPr lang="pl-PL" sz="2300" dirty="0">
+                <a:sym typeface="Wingdings" panose="05000000000000000000" pitchFamily="2" charset="2"/>
+              </a:rPr>
               <a:t>(</a:t>
             </a:r>
             <a:r>
-              <a:rPr lang="en-US" sz="2300">
+              <a:rPr lang="en-US" sz="2300" dirty="0" err="1">
                 <a:sym typeface="Wingdings" panose="05000000000000000000" pitchFamily="2" charset="2"/>
               </a:rPr>
-              <a:t>tak, naprawdę :D</a:t>
-            </a:r>
-            <a:r>
-              <a:rPr lang="pl-PL" sz="2300">
+              <a:t>tak</a:t>
+            </a:r>
+            <a:r>
+              <a:rPr lang="en-US" sz="2300" dirty="0">
+                <a:sym typeface="Wingdings" panose="05000000000000000000" pitchFamily="2" charset="2"/>
+              </a:rPr>
+              <a:t>, </a:t>
+            </a:r>
+            <a:r>
+              <a:rPr lang="en-US" sz="2300" dirty="0" err="1">
+                <a:sym typeface="Wingdings" panose="05000000000000000000" pitchFamily="2" charset="2"/>
+              </a:rPr>
+              <a:t>naprawdę</a:t>
+            </a:r>
+            <a:r>
+              <a:rPr lang="en-US" sz="2300" dirty="0">
+                <a:sym typeface="Wingdings" panose="05000000000000000000" pitchFamily="2" charset="2"/>
+              </a:rPr>
+              <a:t> :D</a:t>
+            </a:r>
+            <a:r>
+              <a:rPr lang="pl-PL" sz="2300" dirty="0">
                 <a:sym typeface="Wingdings" panose="05000000000000000000" pitchFamily="2" charset="2"/>
               </a:rPr>
               <a:t>)</a:t>
@@ -15215,12 +16864,66 @@
               <a:buChar char="•"/>
             </a:pPr>
             <a:r>
-              <a:rPr lang="en-US" sz="2300">
+              <a:rPr lang="en-US" sz="2300" dirty="0" err="1">
                 <a:sym typeface="Wingdings" panose="05000000000000000000" pitchFamily="2" charset="2"/>
               </a:rPr>
-              <a:t>Używanie meterpretera jako "ghetto EDR" (tak, naprawdę :D)</a:t>
-            </a:r>
-            <a:endParaRPr lang="pl-PL" sz="2300">
+              <a:t>Używanie</a:t>
+            </a:r>
+            <a:r>
+              <a:rPr lang="en-US" sz="2300" dirty="0">
+                <a:sym typeface="Wingdings" panose="05000000000000000000" pitchFamily="2" charset="2"/>
+              </a:rPr>
+              <a:t> </a:t>
+            </a:r>
+            <a:r>
+              <a:rPr lang="en-US" sz="2300" dirty="0" err="1">
+                <a:sym typeface="Wingdings" panose="05000000000000000000" pitchFamily="2" charset="2"/>
+              </a:rPr>
+              <a:t>meterpretera</a:t>
+            </a:r>
+            <a:r>
+              <a:rPr lang="en-US" sz="2300" dirty="0">
+                <a:sym typeface="Wingdings" panose="05000000000000000000" pitchFamily="2" charset="2"/>
+              </a:rPr>
+              <a:t> </a:t>
+            </a:r>
+            <a:r>
+              <a:rPr lang="en-US" sz="2300" dirty="0" err="1">
+                <a:sym typeface="Wingdings" panose="05000000000000000000" pitchFamily="2" charset="2"/>
+              </a:rPr>
+              <a:t>jako</a:t>
+            </a:r>
+            <a:r>
+              <a:rPr lang="en-US" sz="2300" dirty="0">
+                <a:sym typeface="Wingdings" panose="05000000000000000000" pitchFamily="2" charset="2"/>
+              </a:rPr>
+              <a:t> "ghetto EDR" (</a:t>
+            </a:r>
+            <a:r>
+              <a:rPr lang="en-US" sz="2300" dirty="0" err="1">
+                <a:sym typeface="Wingdings" panose="05000000000000000000" pitchFamily="2" charset="2"/>
+              </a:rPr>
+              <a:t>tak</a:t>
+            </a:r>
+            <a:r>
+              <a:rPr lang="en-US" sz="2300" dirty="0">
+                <a:sym typeface="Wingdings" panose="05000000000000000000" pitchFamily="2" charset="2"/>
+              </a:rPr>
+              <a:t>, </a:t>
+            </a:r>
+            <a:r>
+              <a:rPr lang="en-US" sz="2300" dirty="0" err="1">
+                <a:sym typeface="Wingdings" panose="05000000000000000000" pitchFamily="2" charset="2"/>
+              </a:rPr>
+              <a:t>naprawdę</a:t>
+            </a:r>
+            <a:r>
+              <a:rPr lang="en-US" sz="2300" dirty="0">
+                <a:sym typeface="Wingdings" panose="05000000000000000000" pitchFamily="2" charset="2"/>
+              </a:rPr>
+              <a:t> :D)</a:t>
+            </a:r>
+            <a:endParaRPr lang="pl-PL" sz="2300" dirty="0">
               <a:sym typeface="Wingdings" panose="05000000000000000000" pitchFamily="2" charset="2"/>
             </a:endParaRPr>
           </a:p>
